--- a/docs/diagrams/ModelComponentClassDiagram.pptx
+++ b/docs/diagrams/ModelComponentClassDiagram.pptx
@@ -208,7 +208,7 @@
           <a:p>
             <a:fld id="{F5CC4B3F-88C1-4FFA-B1B6-F41C21DC6924}" type="datetimeFigureOut">
               <a:rPr lang="en-US" smtClean="0"/>
-              <a:t>6/27/2018</a:t>
+              <a:t>11/11/2018</a:t>
             </a:fld>
             <a:endParaRPr lang="en-US"/>
           </a:p>
@@ -654,7 +654,7 @@
           <a:p>
             <a:fld id="{78C97017-6FC3-485B-9764-EAC9E56C1D49}" type="datetimeFigureOut">
               <a:rPr lang="en-US" smtClean="0"/>
-              <a:t>6/27/2018</a:t>
+              <a:t>11/11/2018</a:t>
             </a:fld>
             <a:endParaRPr lang="en-US"/>
           </a:p>
@@ -822,7 +822,7 @@
           <a:p>
             <a:fld id="{78C97017-6FC3-485B-9764-EAC9E56C1D49}" type="datetimeFigureOut">
               <a:rPr lang="en-US" smtClean="0"/>
-              <a:t>6/27/2018</a:t>
+              <a:t>11/11/2018</a:t>
             </a:fld>
             <a:endParaRPr lang="en-US"/>
           </a:p>
@@ -1000,7 +1000,7 @@
           <a:p>
             <a:fld id="{78C97017-6FC3-485B-9764-EAC9E56C1D49}" type="datetimeFigureOut">
               <a:rPr lang="en-US" smtClean="0"/>
-              <a:t>6/27/2018</a:t>
+              <a:t>11/11/2018</a:t>
             </a:fld>
             <a:endParaRPr lang="en-US"/>
           </a:p>
@@ -1168,7 +1168,7 @@
           <a:p>
             <a:fld id="{78C97017-6FC3-485B-9764-EAC9E56C1D49}" type="datetimeFigureOut">
               <a:rPr lang="en-US" smtClean="0"/>
-              <a:t>6/27/2018</a:t>
+              <a:t>11/11/2018</a:t>
             </a:fld>
             <a:endParaRPr lang="en-US"/>
           </a:p>
@@ -1413,7 +1413,7 @@
           <a:p>
             <a:fld id="{78C97017-6FC3-485B-9764-EAC9E56C1D49}" type="datetimeFigureOut">
               <a:rPr lang="en-US" smtClean="0"/>
-              <a:t>6/27/2018</a:t>
+              <a:t>11/11/2018</a:t>
             </a:fld>
             <a:endParaRPr lang="en-US"/>
           </a:p>
@@ -1698,7 +1698,7 @@
           <a:p>
             <a:fld id="{78C97017-6FC3-485B-9764-EAC9E56C1D49}" type="datetimeFigureOut">
               <a:rPr lang="en-US" smtClean="0"/>
-              <a:t>6/27/2018</a:t>
+              <a:t>11/11/2018</a:t>
             </a:fld>
             <a:endParaRPr lang="en-US"/>
           </a:p>
@@ -2117,7 +2117,7 @@
           <a:p>
             <a:fld id="{78C97017-6FC3-485B-9764-EAC9E56C1D49}" type="datetimeFigureOut">
               <a:rPr lang="en-US" smtClean="0"/>
-              <a:t>6/27/2018</a:t>
+              <a:t>11/11/2018</a:t>
             </a:fld>
             <a:endParaRPr lang="en-US"/>
           </a:p>
@@ -2234,7 +2234,7 @@
           <a:p>
             <a:fld id="{78C97017-6FC3-485B-9764-EAC9E56C1D49}" type="datetimeFigureOut">
               <a:rPr lang="en-US" smtClean="0"/>
-              <a:t>6/27/2018</a:t>
+              <a:t>11/11/2018</a:t>
             </a:fld>
             <a:endParaRPr lang="en-US"/>
           </a:p>
@@ -2329,7 +2329,7 @@
           <a:p>
             <a:fld id="{78C97017-6FC3-485B-9764-EAC9E56C1D49}" type="datetimeFigureOut">
               <a:rPr lang="en-US" smtClean="0"/>
-              <a:t>6/27/2018</a:t>
+              <a:t>11/11/2018</a:t>
             </a:fld>
             <a:endParaRPr lang="en-US"/>
           </a:p>
@@ -2604,7 +2604,7 @@
           <a:p>
             <a:fld id="{78C97017-6FC3-485B-9764-EAC9E56C1D49}" type="datetimeFigureOut">
               <a:rPr lang="en-US" smtClean="0"/>
-              <a:t>6/27/2018</a:t>
+              <a:t>11/11/2018</a:t>
             </a:fld>
             <a:endParaRPr lang="en-US"/>
           </a:p>
@@ -2856,7 +2856,7 @@
           <a:p>
             <a:fld id="{78C97017-6FC3-485B-9764-EAC9E56C1D49}" type="datetimeFigureOut">
               <a:rPr lang="en-US" smtClean="0"/>
-              <a:t>6/27/2018</a:t>
+              <a:t>11/11/2018</a:t>
             </a:fld>
             <a:endParaRPr lang="en-US"/>
           </a:p>
@@ -3067,7 +3067,7 @@
           <a:p>
             <a:fld id="{78C97017-6FC3-485B-9764-EAC9E56C1D49}" type="datetimeFigureOut">
               <a:rPr lang="en-US" smtClean="0"/>
-              <a:t>6/27/2018</a:t>
+              <a:t>11/11/2018</a:t>
             </a:fld>
             <a:endParaRPr lang="en-US"/>
           </a:p>
@@ -3451,7 +3451,7 @@
         <p:spPr>
           <a:xfrm>
             <a:off x="1119865" y="1600200"/>
-            <a:ext cx="7490735" cy="3124200"/>
+            <a:ext cx="7566935" cy="4797740"/>
           </a:xfrm>
           <a:prstGeom prst="roundRect">
             <a:avLst>
@@ -3488,7 +3488,7 @@
           <a:lstStyle/>
           <a:p>
             <a:r>
-              <a:rPr lang="en-US" sz="1200" b="1" dirty="0">
+              <a:rPr lang="en-US" sz="1200" b="1">
                 <a:solidFill>
                   <a:srgbClr val="7030A0"/>
                 </a:solidFill>
@@ -3511,7 +3511,7 @@
         </p:nvSpPr>
         <p:spPr>
           <a:xfrm>
-            <a:off x="2877180" y="3463240"/>
+            <a:off x="2899124" y="5223339"/>
             <a:ext cx="1093635" cy="346760"/>
           </a:xfrm>
           <a:prstGeom prst="rect">
@@ -3547,7 +3547,7 @@
           <a:p>
             <a:pPr algn="ctr"/>
             <a:r>
-              <a:rPr lang="en-US" sz="1050" dirty="0" err="1">
+              <a:rPr lang="en-US" sz="1050" dirty="0">
                 <a:solidFill>
                   <a:schemeClr val="bg1"/>
                 </a:solidFill>
@@ -3570,8 +3570,8 @@
         </p:nvSpPr>
         <p:spPr>
           <a:xfrm rot="16200000">
-            <a:off x="1661548" y="3097750"/>
-            <a:ext cx="1093635" cy="346760"/>
+            <a:off x="789226" y="3970072"/>
+            <a:ext cx="2838280" cy="346760"/>
           </a:xfrm>
           <a:prstGeom prst="rect">
             <a:avLst/>
@@ -3606,7 +3606,7 @@
           <a:p>
             <a:pPr algn="ctr"/>
             <a:r>
-              <a:rPr lang="en-US" sz="1050" dirty="0" err="1">
+              <a:rPr lang="en-US" sz="1050" dirty="0">
                 <a:solidFill>
                   <a:schemeClr val="bg1"/>
                 </a:solidFill>
@@ -3621,51 +3621,6 @@
           </a:p>
         </p:txBody>
       </p:sp>
-      <p:cxnSp>
-        <p:nvCxnSpPr>
-          <p:cNvPr id="107" name="Elbow Connector 106"/>
-          <p:cNvCxnSpPr>
-            <a:cxnSpLocks/>
-            <a:stCxn id="9" idx="1"/>
-            <a:endCxn id="62" idx="2"/>
-          </p:cNvCxnSpPr>
-          <p:nvPr/>
-        </p:nvCxnSpPr>
-        <p:spPr>
-          <a:xfrm rot="5400000" flipH="1" flipV="1">
-            <a:off x="4131507" y="1281685"/>
-            <a:ext cx="613122" cy="4459404"/>
-          </a:xfrm>
-          <a:prstGeom prst="bentConnector3">
-            <a:avLst>
-              <a:gd name="adj1" fmla="val -26668"/>
-            </a:avLst>
-          </a:prstGeom>
-          <a:ln w="19050">
-            <a:solidFill>
-              <a:srgbClr val="7030A0"/>
-            </a:solidFill>
-            <a:prstDash val="solid"/>
-            <a:headEnd type="none" w="med" len="med"/>
-            <a:tailEnd type="arrow" w="med" len="med"/>
-          </a:ln>
-          <a:effectLst/>
-        </p:spPr>
-        <p:style>
-          <a:lnRef idx="1">
-            <a:schemeClr val="accent2"/>
-          </a:lnRef>
-          <a:fillRef idx="2">
-            <a:schemeClr val="accent2"/>
-          </a:fillRef>
-          <a:effectRef idx="1">
-            <a:schemeClr val="accent2"/>
-          </a:effectRef>
-          <a:fontRef idx="minor">
-            <a:schemeClr val="dk1"/>
-          </a:fontRef>
-        </p:style>
-      </p:cxnSp>
       <p:sp>
         <p:nvSpPr>
           <p:cNvPr id="119" name="Rectangle 62"/>
@@ -3794,7 +3749,7 @@
         </p:nvCxnSpPr>
         <p:spPr>
           <a:xfrm>
-            <a:off x="2609828" y="3636620"/>
+            <a:off x="2631772" y="5396719"/>
             <a:ext cx="267352" cy="0"/>
           </a:xfrm>
           <a:prstGeom prst="straightConnector1">
@@ -3916,7 +3871,7 @@
         </p:nvSpPr>
         <p:spPr>
           <a:xfrm>
-            <a:off x="2373780" y="3549930"/>
+            <a:off x="2395724" y="5310029"/>
             <a:ext cx="236048" cy="173380"/>
           </a:xfrm>
           <a:prstGeom prst="flowChartDecision">
@@ -3994,12 +3949,12 @@
           <a:p>
             <a:pPr algn="ctr"/>
             <a:r>
-              <a:rPr lang="en-US" sz="1050" dirty="0" err="1" smtClean="0">
+              <a:rPr lang="en-US" sz="1050" dirty="0">
                 <a:solidFill>
                   <a:srgbClr val="7030A0"/>
                 </a:solidFill>
               </a:rPr>
-              <a:t>VersionedAddressBook</a:t>
+              <a:t>VersionedWorkoutBook</a:t>
             </a:r>
             <a:endParaRPr lang="en-SG" sz="1050" dirty="0">
               <a:solidFill>
@@ -4104,7 +4059,7 @@
         <p:spPr>
           <a:xfrm>
             <a:off x="4692650" y="2846162"/>
-            <a:ext cx="1156969" cy="346760"/>
+            <a:ext cx="1243502" cy="346760"/>
           </a:xfrm>
           <a:prstGeom prst="rect">
             <a:avLst/>
@@ -4136,12 +4091,12 @@
           <a:p>
             <a:pPr algn="ctr"/>
             <a:r>
-              <a:rPr lang="en-US" sz="1050" dirty="0" err="1">
+              <a:rPr lang="en-US" sz="1050" dirty="0">
                 <a:solidFill>
                   <a:srgbClr val="7030A0"/>
                 </a:solidFill>
               </a:rPr>
-              <a:t>UniquePersonList</a:t>
+              <a:t>UniqueWorkoutList</a:t>
             </a:r>
             <a:endParaRPr lang="en-SG" sz="1050" dirty="0">
               <a:solidFill>
@@ -4244,7 +4199,7 @@
                   <a:srgbClr val="7030A0"/>
                 </a:solidFill>
               </a:rPr>
-              <a:t>Person</a:t>
+              <a:t>Workout</a:t>
             </a:r>
             <a:endParaRPr lang="en-SG" sz="1050" dirty="0">
               <a:solidFill>
@@ -4262,7 +4217,7 @@
         </p:nvSpPr>
         <p:spPr>
           <a:xfrm>
-            <a:off x="5858751" y="2941676"/>
+            <a:off x="5936152" y="2941676"/>
             <a:ext cx="236048" cy="173380"/>
           </a:xfrm>
           <a:prstGeom prst="flowChartDecision">
@@ -4310,8 +4265,8 @@
         </p:nvCxnSpPr>
         <p:spPr>
           <a:xfrm>
-            <a:off x="6094799" y="3028366"/>
-            <a:ext cx="218878" cy="3080"/>
+            <a:off x="6172200" y="3028366"/>
+            <a:ext cx="141477" cy="3080"/>
           </a:xfrm>
           <a:prstGeom prst="bentConnector3">
             <a:avLst/>
@@ -4348,8 +4303,8 @@
         </p:nvSpPr>
         <p:spPr>
           <a:xfrm>
-            <a:off x="7712397" y="2564238"/>
-            <a:ext cx="708186" cy="285783"/>
+            <a:off x="7788597" y="2011821"/>
+            <a:ext cx="822003" cy="285783"/>
           </a:xfrm>
           <a:prstGeom prst="rect">
             <a:avLst/>
@@ -4443,46 +4398,6 @@
           </a:p>
         </p:txBody>
       </p:sp>
-      <p:cxnSp>
-        <p:nvCxnSpPr>
-          <p:cNvPr id="79" name="Elbow Connector 78"/>
-          <p:cNvCxnSpPr>
-            <a:cxnSpLocks/>
-          </p:cNvCxnSpPr>
-          <p:nvPr/>
-        </p:nvCxnSpPr>
-        <p:spPr>
-          <a:xfrm flipV="1">
-            <a:off x="7277995" y="2706821"/>
-            <a:ext cx="434402" cy="327761"/>
-          </a:xfrm>
-          <a:prstGeom prst="bentConnector3">
-            <a:avLst/>
-          </a:prstGeom>
-          <a:ln w="19050">
-            <a:solidFill>
-              <a:srgbClr val="7030A0"/>
-            </a:solidFill>
-            <a:headEnd type="none" w="med" len="med"/>
-            <a:tailEnd type="arrow" w="med" len="med"/>
-          </a:ln>
-          <a:effectLst/>
-        </p:spPr>
-        <p:style>
-          <a:lnRef idx="1">
-            <a:schemeClr val="accent2"/>
-          </a:lnRef>
-          <a:fillRef idx="2">
-            <a:schemeClr val="accent2"/>
-          </a:fillRef>
-          <a:effectRef idx="1">
-            <a:schemeClr val="accent2"/>
-          </a:effectRef>
-          <a:fontRef idx="minor">
-            <a:schemeClr val="dk1"/>
-          </a:fontRef>
-        </p:style>
-      </p:cxnSp>
       <p:sp>
         <p:nvSpPr>
           <p:cNvPr id="80" name="Rectangle 8"/>
@@ -4491,8 +4406,8 @@
         </p:nvSpPr>
         <p:spPr>
           <a:xfrm>
-            <a:off x="7712397" y="2887216"/>
-            <a:ext cx="708186" cy="285783"/>
+            <a:off x="7788597" y="2334799"/>
+            <a:ext cx="822003" cy="285783"/>
           </a:xfrm>
           <a:prstGeom prst="rect">
             <a:avLst/>
@@ -4529,7 +4444,7 @@
                   <a:srgbClr val="7030A0"/>
                 </a:solidFill>
               </a:rPr>
-              <a:t>Phone</a:t>
+              <a:t>Type</a:t>
             </a:r>
             <a:endParaRPr lang="en-SG" sz="1050" dirty="0">
               <a:solidFill>
@@ -4543,6 +4458,7 @@
         <p:nvCxnSpPr>
           <p:cNvPr id="81" name="Elbow Connector 80"/>
           <p:cNvCxnSpPr>
+            <a:cxnSpLocks/>
             <a:stCxn id="78" idx="3"/>
             <a:endCxn id="80" idx="1"/>
           </p:cNvCxnSpPr>
@@ -4550,8 +4466,8 @@
         </p:nvCxnSpPr>
         <p:spPr>
           <a:xfrm flipV="1">
-            <a:off x="7277995" y="3030108"/>
-            <a:ext cx="434402" cy="4783"/>
+            <a:off x="7277995" y="2477691"/>
+            <a:ext cx="510602" cy="557200"/>
           </a:xfrm>
           <a:prstGeom prst="bentConnector3">
             <a:avLst/>
@@ -4588,8 +4504,8 @@
         </p:nvSpPr>
         <p:spPr>
           <a:xfrm>
-            <a:off x="7712397" y="3210194"/>
-            <a:ext cx="708186" cy="285783"/>
+            <a:off x="7788597" y="2657777"/>
+            <a:ext cx="822003" cy="285783"/>
           </a:xfrm>
           <a:prstGeom prst="rect">
             <a:avLst/>
@@ -4626,7 +4542,7 @@
                   <a:srgbClr val="7030A0"/>
                 </a:solidFill>
               </a:rPr>
-              <a:t>Email</a:t>
+              <a:t>Duration</a:t>
             </a:r>
             <a:endParaRPr lang="en-SG" sz="1050" dirty="0">
               <a:solidFill>
@@ -4640,15 +4556,16 @@
         <p:nvCxnSpPr>
           <p:cNvPr id="84" name="Elbow Connector 83"/>
           <p:cNvCxnSpPr>
+            <a:cxnSpLocks/>
             <a:stCxn id="78" idx="3"/>
             <a:endCxn id="83" idx="1"/>
           </p:cNvCxnSpPr>
           <p:nvPr/>
         </p:nvCxnSpPr>
         <p:spPr>
-          <a:xfrm>
-            <a:off x="7277995" y="3034891"/>
-            <a:ext cx="434402" cy="318195"/>
+          <a:xfrm flipV="1">
+            <a:off x="7277995" y="2800669"/>
+            <a:ext cx="510602" cy="234222"/>
           </a:xfrm>
           <a:prstGeom prst="bentConnector3">
             <a:avLst/>
@@ -4685,8 +4602,8 @@
         </p:nvSpPr>
         <p:spPr>
           <a:xfrm>
-            <a:off x="7712397" y="3533171"/>
-            <a:ext cx="708186" cy="285783"/>
+            <a:off x="7788597" y="2980754"/>
+            <a:ext cx="822003" cy="285783"/>
           </a:xfrm>
           <a:prstGeom prst="rect">
             <a:avLst/>
@@ -4723,7 +4640,7 @@
                   <a:srgbClr val="7030A0"/>
                 </a:solidFill>
               </a:rPr>
-              <a:t>Address</a:t>
+              <a:t>Difficulty</a:t>
             </a:r>
             <a:endParaRPr lang="en-SG" sz="1050" dirty="0">
               <a:solidFill>
@@ -4737,6 +4654,7 @@
         <p:nvCxnSpPr>
           <p:cNvPr id="86" name="Elbow Connector 85"/>
           <p:cNvCxnSpPr>
+            <a:cxnSpLocks/>
             <a:stCxn id="78" idx="3"/>
             <a:endCxn id="85" idx="1"/>
           </p:cNvCxnSpPr>
@@ -4745,7 +4663,7 @@
         <p:spPr>
           <a:xfrm>
             <a:off x="7277995" y="3034891"/>
-            <a:ext cx="434402" cy="641172"/>
+            <a:ext cx="510602" cy="88755"/>
           </a:xfrm>
           <a:prstGeom prst="bentConnector3">
             <a:avLst/>
@@ -4873,8 +4791,8 @@
         </p:nvSpPr>
         <p:spPr>
           <a:xfrm>
-            <a:off x="1260922" y="1998350"/>
-            <a:ext cx="1443661" cy="364396"/>
+            <a:off x="1219200" y="1998350"/>
+            <a:ext cx="1485383" cy="364396"/>
           </a:xfrm>
           <a:prstGeom prst="rect">
             <a:avLst/>
@@ -4921,12 +4839,12 @@
               </a:rPr>
             </a:br>
             <a:r>
-              <a:rPr lang="en-US" sz="1050" dirty="0" err="1">
+              <a:rPr lang="en-US" sz="1050" dirty="0">
                 <a:solidFill>
                   <a:srgbClr val="7030A0"/>
                 </a:solidFill>
               </a:rPr>
-              <a:t>ReadOnlyAddressBook</a:t>
+              <a:t>ReadOnlyWorkoutBook</a:t>
             </a:r>
             <a:endParaRPr lang="en-SG" sz="1050" dirty="0">
               <a:solidFill>
@@ -4938,52 +4856,13 @@
       </p:sp>
       <p:sp>
         <p:nvSpPr>
-          <p:cNvPr id="114" name="TextBox 113"/>
-          <p:cNvSpPr txBox="1"/>
-          <p:nvPr/>
-        </p:nvSpPr>
-        <p:spPr>
-          <a:xfrm rot="16200000">
-            <a:off x="6362886" y="3586305"/>
-            <a:ext cx="881018" cy="261610"/>
-          </a:xfrm>
-          <a:prstGeom prst="rect">
-            <a:avLst/>
-          </a:prstGeom>
-          <a:noFill/>
-        </p:spPr>
-        <p:txBody>
-          <a:bodyPr wrap="square" rtlCol="0">
-            <a:spAutoFit/>
-          </a:bodyPr>
-          <a:lstStyle/>
-          <a:p>
-            <a:pPr algn="r"/>
-            <a:r>
-              <a:rPr lang="en-US" sz="1100" dirty="0">
-                <a:solidFill>
-                  <a:srgbClr val="7030A0"/>
-                </a:solidFill>
-              </a:rPr>
-              <a:t>filtered list</a:t>
-            </a:r>
-            <a:endParaRPr lang="en-SG" sz="1100" dirty="0">
-              <a:solidFill>
-                <a:srgbClr val="7030A0"/>
-              </a:solidFill>
-            </a:endParaRPr>
-          </a:p>
-        </p:txBody>
-      </p:sp>
-      <p:sp>
-        <p:nvSpPr>
           <p:cNvPr id="122" name="Rectangle 8"/>
           <p:cNvSpPr/>
           <p:nvPr/>
         </p:nvSpPr>
         <p:spPr>
           <a:xfrm>
-            <a:off x="2057401" y="4239491"/>
+            <a:off x="2034985" y="5909986"/>
             <a:ext cx="1066800" cy="346760"/>
           </a:xfrm>
           <a:prstGeom prst="rect">
@@ -5023,23 +4902,15 @@
               </a:rPr>
               <a:t>&lt;&lt;interface&gt;&gt;</a:t>
             </a:r>
-            <a:r>
-              <a:rPr lang="en-US" sz="1050">
-                <a:solidFill>
-                  <a:srgbClr val="7030A0"/>
-                </a:solidFill>
-              </a:rPr>
-              <a:t/>
-            </a:r>
             <a:br>
-              <a:rPr lang="en-US" sz="1050">
+              <a:rPr lang="en-US" sz="1050" dirty="0">
                 <a:solidFill>
                   <a:srgbClr val="7030A0"/>
                 </a:solidFill>
               </a:rPr>
             </a:br>
             <a:r>
-              <a:rPr lang="en-US" sz="1050" dirty="0" err="1">
+              <a:rPr lang="en-US" sz="1050" dirty="0">
                 <a:solidFill>
                   <a:srgbClr val="7030A0"/>
                 </a:solidFill>
@@ -5065,8 +4936,8 @@
         </p:nvCxnSpPr>
         <p:spPr>
           <a:xfrm rot="16200000" flipH="1">
-            <a:off x="1364475" y="3719944"/>
-            <a:ext cx="831471" cy="554381"/>
+            <a:off x="518019" y="4566400"/>
+            <a:ext cx="2501966" cy="531965"/>
           </a:xfrm>
           <a:prstGeom prst="bentConnector2">
             <a:avLst/>
@@ -5143,7 +5014,7 @@
         </p:nvSpPr>
         <p:spPr>
           <a:xfrm>
-            <a:off x="6135256" y="3097917"/>
+            <a:off x="6077629" y="2842267"/>
             <a:ext cx="189257" cy="178683"/>
           </a:xfrm>
           <a:prstGeom prst="rect">
@@ -5221,46 +5092,7 @@
         </p:nvSpPr>
         <p:spPr>
           <a:xfrm>
-            <a:off x="2707070" y="3667737"/>
-            <a:ext cx="189257" cy="178683"/>
-          </a:xfrm>
-          <a:prstGeom prst="rect">
-            <a:avLst/>
-          </a:prstGeom>
-          <a:noFill/>
-        </p:spPr>
-        <p:txBody>
-          <a:bodyPr wrap="square" lIns="0" tIns="0" rIns="0" bIns="0" rtlCol="0">
-            <a:noAutofit/>
-          </a:bodyPr>
-          <a:lstStyle/>
-          <a:p>
-            <a:pPr algn="ctr"/>
-            <a:r>
-              <a:rPr lang="en-US" sz="1100" dirty="0">
-                <a:solidFill>
-                  <a:srgbClr val="7030A0"/>
-                </a:solidFill>
-              </a:rPr>
-              <a:t>1</a:t>
-            </a:r>
-            <a:endParaRPr lang="en-SG" sz="1100" dirty="0">
-              <a:solidFill>
-                <a:srgbClr val="7030A0"/>
-              </a:solidFill>
-            </a:endParaRPr>
-          </a:p>
-        </p:txBody>
-      </p:sp>
-      <p:sp>
-        <p:nvSpPr>
-          <p:cNvPr id="70" name="TextBox 69"/>
-          <p:cNvSpPr txBox="1"/>
-          <p:nvPr/>
-        </p:nvSpPr>
-        <p:spPr>
-          <a:xfrm>
-            <a:off x="6449896" y="3204826"/>
+            <a:off x="2729014" y="5427836"/>
             <a:ext cx="189257" cy="178683"/>
           </a:xfrm>
           <a:prstGeom prst="rect">
@@ -5305,8 +5137,8 @@
         </p:nvSpPr>
         <p:spPr>
           <a:xfrm>
-            <a:off x="7712397" y="2228817"/>
-            <a:ext cx="708186" cy="285783"/>
+            <a:off x="7788597" y="1676400"/>
+            <a:ext cx="822003" cy="285783"/>
           </a:xfrm>
           <a:prstGeom prst="rect">
             <a:avLst/>
@@ -5371,8 +5203,8 @@
         </p:nvCxnSpPr>
         <p:spPr>
           <a:xfrm flipV="1">
-            <a:off x="7277995" y="2371709"/>
-            <a:ext cx="434402" cy="663182"/>
+            <a:off x="7277995" y="1819292"/>
+            <a:ext cx="510602" cy="1215599"/>
           </a:xfrm>
           <a:prstGeom prst="bentConnector3">
             <a:avLst>
@@ -5417,7 +5249,7 @@
         </p:nvSpPr>
         <p:spPr>
           <a:xfrm>
-            <a:off x="7466243" y="2255711"/>
+            <a:off x="7542444" y="1703294"/>
             <a:ext cx="189257" cy="178683"/>
           </a:xfrm>
           <a:prstGeom prst="rect">
@@ -5489,12 +5321,12 @@
           <a:p>
             <a:pPr algn="ctr"/>
             <a:r>
-              <a:rPr lang="en-US" sz="1050" dirty="0" err="1">
+              <a:rPr lang="en-US" sz="1050" dirty="0">
                 <a:solidFill>
                   <a:srgbClr val="7030A0"/>
                 </a:solidFill>
               </a:rPr>
-              <a:t>AddressBook</a:t>
+              <a:t>WorkoutBook</a:t>
             </a:r>
             <a:endParaRPr lang="en-SG" sz="1050" dirty="0">
               <a:solidFill>
@@ -5508,6 +5340,7 @@
         <p:nvCxnSpPr>
           <p:cNvPr id="60" name="Straight Arrow Connector 59"/>
           <p:cNvCxnSpPr>
+            <a:cxnSpLocks/>
             <a:stCxn id="51" idx="1"/>
             <a:endCxn id="49" idx="1"/>
           </p:cNvCxnSpPr>
@@ -5641,6 +5474,2099 @@
           </a:fontRef>
         </p:style>
       </p:cxnSp>
+      <p:sp>
+        <p:nvSpPr>
+          <p:cNvPr id="56" name="Rectangle 8">
+            <a:extLst>
+              <a:ext uri="{FF2B5EF4-FFF2-40B4-BE49-F238E27FC236}">
+                <a16:creationId xmlns:a16="http://schemas.microsoft.com/office/drawing/2014/main" id="{268A1659-F9F8-4129-B5F7-4199CD0A824B}"/>
+              </a:ext>
+            </a:extLst>
+          </p:cNvPr>
+          <p:cNvSpPr/>
+          <p:nvPr/>
+        </p:nvSpPr>
+        <p:spPr>
+          <a:xfrm>
+            <a:off x="7788597" y="3308355"/>
+            <a:ext cx="822003" cy="285783"/>
+          </a:xfrm>
+          <a:prstGeom prst="rect">
+            <a:avLst/>
+          </a:prstGeom>
+          <a:ln w="19050">
+            <a:solidFill>
+              <a:srgbClr val="7030A0"/>
+            </a:solidFill>
+          </a:ln>
+          <a:effectLst/>
+        </p:spPr>
+        <p:style>
+          <a:lnRef idx="1">
+            <a:schemeClr val="accent4"/>
+          </a:lnRef>
+          <a:fillRef idx="2">
+            <a:schemeClr val="accent4"/>
+          </a:fillRef>
+          <a:effectRef idx="1">
+            <a:schemeClr val="accent4"/>
+          </a:effectRef>
+          <a:fontRef idx="minor">
+            <a:schemeClr val="dk1"/>
+          </a:fontRef>
+        </p:style>
+        <p:txBody>
+          <a:bodyPr rtlCol="0" anchor="ctr"/>
+          <a:lstStyle/>
+          <a:p>
+            <a:pPr algn="ctr"/>
+            <a:r>
+              <a:rPr lang="en-US" sz="1050" dirty="0">
+                <a:solidFill>
+                  <a:srgbClr val="7030A0"/>
+                </a:solidFill>
+              </a:rPr>
+              <a:t>Equipment</a:t>
+            </a:r>
+            <a:endParaRPr lang="en-SG" sz="1050" dirty="0">
+              <a:solidFill>
+                <a:srgbClr val="7030A0"/>
+              </a:solidFill>
+            </a:endParaRPr>
+          </a:p>
+        </p:txBody>
+      </p:sp>
+      <p:cxnSp>
+        <p:nvCxnSpPr>
+          <p:cNvPr id="57" name="Elbow Connector 85">
+            <a:extLst>
+              <a:ext uri="{FF2B5EF4-FFF2-40B4-BE49-F238E27FC236}">
+                <a16:creationId xmlns:a16="http://schemas.microsoft.com/office/drawing/2014/main" id="{925FFCDD-D285-4411-8327-9CF477952F94}"/>
+              </a:ext>
+            </a:extLst>
+          </p:cNvPr>
+          <p:cNvCxnSpPr>
+            <a:cxnSpLocks/>
+            <a:stCxn id="78" idx="3"/>
+            <a:endCxn id="56" idx="1"/>
+          </p:cNvCxnSpPr>
+          <p:nvPr/>
+        </p:nvCxnSpPr>
+        <p:spPr>
+          <a:xfrm>
+            <a:off x="7277995" y="3034891"/>
+            <a:ext cx="510602" cy="416356"/>
+          </a:xfrm>
+          <a:prstGeom prst="bentConnector3">
+            <a:avLst>
+              <a:gd name="adj1" fmla="val 50000"/>
+            </a:avLst>
+          </a:prstGeom>
+          <a:ln w="19050">
+            <a:solidFill>
+              <a:srgbClr val="7030A0"/>
+            </a:solidFill>
+            <a:headEnd type="none" w="med" len="med"/>
+            <a:tailEnd type="arrow" w="med" len="med"/>
+          </a:ln>
+          <a:effectLst/>
+        </p:spPr>
+        <p:style>
+          <a:lnRef idx="1">
+            <a:schemeClr val="accent2"/>
+          </a:lnRef>
+          <a:fillRef idx="2">
+            <a:schemeClr val="accent2"/>
+          </a:fillRef>
+          <a:effectRef idx="1">
+            <a:schemeClr val="accent2"/>
+          </a:effectRef>
+          <a:fontRef idx="minor">
+            <a:schemeClr val="dk1"/>
+          </a:fontRef>
+        </p:style>
+      </p:cxnSp>
+      <p:sp>
+        <p:nvSpPr>
+          <p:cNvPr id="59" name="Rectangle 8">
+            <a:extLst>
+              <a:ext uri="{FF2B5EF4-FFF2-40B4-BE49-F238E27FC236}">
+                <a16:creationId xmlns:a16="http://schemas.microsoft.com/office/drawing/2014/main" id="{C5196676-460D-4496-81B3-1CFFF3DECF85}"/>
+              </a:ext>
+            </a:extLst>
+          </p:cNvPr>
+          <p:cNvSpPr/>
+          <p:nvPr/>
+        </p:nvSpPr>
+        <p:spPr>
+          <a:xfrm>
+            <a:off x="7788597" y="3633943"/>
+            <a:ext cx="822003" cy="285783"/>
+          </a:xfrm>
+          <a:prstGeom prst="rect">
+            <a:avLst/>
+          </a:prstGeom>
+          <a:ln w="19050">
+            <a:solidFill>
+              <a:srgbClr val="7030A0"/>
+            </a:solidFill>
+          </a:ln>
+          <a:effectLst/>
+        </p:spPr>
+        <p:style>
+          <a:lnRef idx="1">
+            <a:schemeClr val="accent4"/>
+          </a:lnRef>
+          <a:fillRef idx="2">
+            <a:schemeClr val="accent4"/>
+          </a:fillRef>
+          <a:effectRef idx="1">
+            <a:schemeClr val="accent4"/>
+          </a:effectRef>
+          <a:fontRef idx="minor">
+            <a:schemeClr val="dk1"/>
+          </a:fontRef>
+        </p:style>
+        <p:txBody>
+          <a:bodyPr rtlCol="0" anchor="ctr"/>
+          <a:lstStyle/>
+          <a:p>
+            <a:pPr algn="ctr"/>
+            <a:r>
+              <a:rPr lang="en-US" sz="1050" dirty="0">
+                <a:solidFill>
+                  <a:srgbClr val="7030A0"/>
+                </a:solidFill>
+              </a:rPr>
+              <a:t>Muscle</a:t>
+            </a:r>
+            <a:endParaRPr lang="en-SG" sz="1050" dirty="0">
+              <a:solidFill>
+                <a:srgbClr val="7030A0"/>
+              </a:solidFill>
+            </a:endParaRPr>
+          </a:p>
+        </p:txBody>
+      </p:sp>
+      <p:cxnSp>
+        <p:nvCxnSpPr>
+          <p:cNvPr id="67" name="Elbow Connector 85">
+            <a:extLst>
+              <a:ext uri="{FF2B5EF4-FFF2-40B4-BE49-F238E27FC236}">
+                <a16:creationId xmlns:a16="http://schemas.microsoft.com/office/drawing/2014/main" id="{1B1CE18B-64DD-47EB-A55C-DCEBF6E0DB74}"/>
+              </a:ext>
+            </a:extLst>
+          </p:cNvPr>
+          <p:cNvCxnSpPr>
+            <a:cxnSpLocks/>
+            <a:stCxn id="78" idx="3"/>
+            <a:endCxn id="59" idx="1"/>
+          </p:cNvCxnSpPr>
+          <p:nvPr/>
+        </p:nvCxnSpPr>
+        <p:spPr>
+          <a:xfrm>
+            <a:off x="7277995" y="3034891"/>
+            <a:ext cx="510602" cy="741944"/>
+          </a:xfrm>
+          <a:prstGeom prst="bentConnector3">
+            <a:avLst>
+              <a:gd name="adj1" fmla="val 50000"/>
+            </a:avLst>
+          </a:prstGeom>
+          <a:ln w="19050">
+            <a:solidFill>
+              <a:srgbClr val="7030A0"/>
+            </a:solidFill>
+            <a:headEnd type="none" w="med" len="med"/>
+            <a:tailEnd type="arrow" w="med" len="med"/>
+          </a:ln>
+          <a:effectLst/>
+        </p:spPr>
+        <p:style>
+          <a:lnRef idx="1">
+            <a:schemeClr val="accent2"/>
+          </a:lnRef>
+          <a:fillRef idx="2">
+            <a:schemeClr val="accent2"/>
+          </a:fillRef>
+          <a:effectRef idx="1">
+            <a:schemeClr val="accent2"/>
+          </a:effectRef>
+          <a:fontRef idx="minor">
+            <a:schemeClr val="dk1"/>
+          </a:fontRef>
+        </p:style>
+      </p:cxnSp>
+      <p:sp>
+        <p:nvSpPr>
+          <p:cNvPr id="71" name="Rectangle 8">
+            <a:extLst>
+              <a:ext uri="{FF2B5EF4-FFF2-40B4-BE49-F238E27FC236}">
+                <a16:creationId xmlns:a16="http://schemas.microsoft.com/office/drawing/2014/main" id="{1791D6A0-75A8-4FC6-BF5F-8B04530F641A}"/>
+              </a:ext>
+            </a:extLst>
+          </p:cNvPr>
+          <p:cNvSpPr/>
+          <p:nvPr/>
+        </p:nvSpPr>
+        <p:spPr>
+          <a:xfrm>
+            <a:off x="7788597" y="3957075"/>
+            <a:ext cx="822003" cy="285783"/>
+          </a:xfrm>
+          <a:prstGeom prst="rect">
+            <a:avLst/>
+          </a:prstGeom>
+          <a:ln w="19050">
+            <a:solidFill>
+              <a:srgbClr val="7030A0"/>
+            </a:solidFill>
+          </a:ln>
+          <a:effectLst/>
+        </p:spPr>
+        <p:style>
+          <a:lnRef idx="1">
+            <a:schemeClr val="accent4"/>
+          </a:lnRef>
+          <a:fillRef idx="2">
+            <a:schemeClr val="accent4"/>
+          </a:fillRef>
+          <a:effectRef idx="1">
+            <a:schemeClr val="accent4"/>
+          </a:effectRef>
+          <a:fontRef idx="minor">
+            <a:schemeClr val="dk1"/>
+          </a:fontRef>
+        </p:style>
+        <p:txBody>
+          <a:bodyPr rtlCol="0" anchor="ctr"/>
+          <a:lstStyle/>
+          <a:p>
+            <a:pPr algn="ctr"/>
+            <a:r>
+              <a:rPr lang="en-US" sz="1050" dirty="0">
+                <a:solidFill>
+                  <a:srgbClr val="7030A0"/>
+                </a:solidFill>
+              </a:rPr>
+              <a:t>Calories</a:t>
+            </a:r>
+            <a:endParaRPr lang="en-SG" sz="1050" dirty="0">
+              <a:solidFill>
+                <a:srgbClr val="7030A0"/>
+              </a:solidFill>
+            </a:endParaRPr>
+          </a:p>
+        </p:txBody>
+      </p:sp>
+      <p:cxnSp>
+        <p:nvCxnSpPr>
+          <p:cNvPr id="72" name="Elbow Connector 85">
+            <a:extLst>
+              <a:ext uri="{FF2B5EF4-FFF2-40B4-BE49-F238E27FC236}">
+                <a16:creationId xmlns:a16="http://schemas.microsoft.com/office/drawing/2014/main" id="{FB44F498-F74F-42BD-9FF7-E482034F81E3}"/>
+              </a:ext>
+            </a:extLst>
+          </p:cNvPr>
+          <p:cNvCxnSpPr>
+            <a:cxnSpLocks/>
+            <a:stCxn id="78" idx="3"/>
+            <a:endCxn id="71" idx="1"/>
+          </p:cNvCxnSpPr>
+          <p:nvPr/>
+        </p:nvCxnSpPr>
+        <p:spPr>
+          <a:xfrm>
+            <a:off x="7277995" y="3034891"/>
+            <a:ext cx="510602" cy="1065076"/>
+          </a:xfrm>
+          <a:prstGeom prst="bentConnector3">
+            <a:avLst>
+              <a:gd name="adj1" fmla="val 50000"/>
+            </a:avLst>
+          </a:prstGeom>
+          <a:ln w="19050">
+            <a:solidFill>
+              <a:srgbClr val="7030A0"/>
+            </a:solidFill>
+            <a:headEnd type="none" w="med" len="med"/>
+            <a:tailEnd type="arrow" w="med" len="med"/>
+          </a:ln>
+          <a:effectLst/>
+        </p:spPr>
+        <p:style>
+          <a:lnRef idx="1">
+            <a:schemeClr val="accent2"/>
+          </a:lnRef>
+          <a:fillRef idx="2">
+            <a:schemeClr val="accent2"/>
+          </a:fillRef>
+          <a:effectRef idx="1">
+            <a:schemeClr val="accent2"/>
+          </a:effectRef>
+          <a:fontRef idx="minor">
+            <a:schemeClr val="dk1"/>
+          </a:fontRef>
+        </p:style>
+      </p:cxnSp>
+      <p:sp>
+        <p:nvSpPr>
+          <p:cNvPr id="73" name="Rectangle 8">
+            <a:extLst>
+              <a:ext uri="{FF2B5EF4-FFF2-40B4-BE49-F238E27FC236}">
+                <a16:creationId xmlns:a16="http://schemas.microsoft.com/office/drawing/2014/main" id="{34CF3D2C-3687-418E-A2E4-3B842C7354D8}"/>
+              </a:ext>
+            </a:extLst>
+          </p:cNvPr>
+          <p:cNvSpPr/>
+          <p:nvPr/>
+        </p:nvSpPr>
+        <p:spPr>
+          <a:xfrm>
+            <a:off x="7788597" y="4282901"/>
+            <a:ext cx="822003" cy="285783"/>
+          </a:xfrm>
+          <a:prstGeom prst="rect">
+            <a:avLst/>
+          </a:prstGeom>
+          <a:ln w="19050">
+            <a:solidFill>
+              <a:srgbClr val="7030A0"/>
+            </a:solidFill>
+          </a:ln>
+          <a:effectLst/>
+        </p:spPr>
+        <p:style>
+          <a:lnRef idx="1">
+            <a:schemeClr val="accent4"/>
+          </a:lnRef>
+          <a:fillRef idx="2">
+            <a:schemeClr val="accent4"/>
+          </a:fillRef>
+          <a:effectRef idx="1">
+            <a:schemeClr val="accent4"/>
+          </a:effectRef>
+          <a:fontRef idx="minor">
+            <a:schemeClr val="dk1"/>
+          </a:fontRef>
+        </p:style>
+        <p:txBody>
+          <a:bodyPr rtlCol="0" anchor="ctr"/>
+          <a:lstStyle/>
+          <a:p>
+            <a:pPr algn="ctr"/>
+            <a:r>
+              <a:rPr lang="en-US" sz="1050" dirty="0">
+                <a:solidFill>
+                  <a:srgbClr val="7030A0"/>
+                </a:solidFill>
+              </a:rPr>
+              <a:t>Instruction</a:t>
+            </a:r>
+            <a:endParaRPr lang="en-SG" sz="1050" dirty="0">
+              <a:solidFill>
+                <a:srgbClr val="7030A0"/>
+              </a:solidFill>
+            </a:endParaRPr>
+          </a:p>
+        </p:txBody>
+      </p:sp>
+      <p:cxnSp>
+        <p:nvCxnSpPr>
+          <p:cNvPr id="74" name="Elbow Connector 85">
+            <a:extLst>
+              <a:ext uri="{FF2B5EF4-FFF2-40B4-BE49-F238E27FC236}">
+                <a16:creationId xmlns:a16="http://schemas.microsoft.com/office/drawing/2014/main" id="{E691065C-6EA7-44B7-9261-B899AD2BD14E}"/>
+              </a:ext>
+            </a:extLst>
+          </p:cNvPr>
+          <p:cNvCxnSpPr>
+            <a:cxnSpLocks/>
+            <a:stCxn id="78" idx="3"/>
+            <a:endCxn id="73" idx="1"/>
+          </p:cNvCxnSpPr>
+          <p:nvPr/>
+        </p:nvCxnSpPr>
+        <p:spPr>
+          <a:xfrm>
+            <a:off x="7277995" y="3034891"/>
+            <a:ext cx="510602" cy="1390902"/>
+          </a:xfrm>
+          <a:prstGeom prst="bentConnector3">
+            <a:avLst>
+              <a:gd name="adj1" fmla="val 50000"/>
+            </a:avLst>
+          </a:prstGeom>
+          <a:ln w="19050">
+            <a:solidFill>
+              <a:srgbClr val="7030A0"/>
+            </a:solidFill>
+            <a:headEnd type="none" w="med" len="med"/>
+            <a:tailEnd type="arrow" w="med" len="med"/>
+          </a:ln>
+          <a:effectLst/>
+        </p:spPr>
+        <p:style>
+          <a:lnRef idx="1">
+            <a:schemeClr val="accent2"/>
+          </a:lnRef>
+          <a:fillRef idx="2">
+            <a:schemeClr val="accent2"/>
+          </a:fillRef>
+          <a:effectRef idx="1">
+            <a:schemeClr val="accent2"/>
+          </a:effectRef>
+          <a:fontRef idx="minor">
+            <a:schemeClr val="dk1"/>
+          </a:fontRef>
+        </p:style>
+      </p:cxnSp>
+      <p:sp>
+        <p:nvSpPr>
+          <p:cNvPr id="87" name="Rectangle 8">
+            <a:extLst>
+              <a:ext uri="{FF2B5EF4-FFF2-40B4-BE49-F238E27FC236}">
+                <a16:creationId xmlns:a16="http://schemas.microsoft.com/office/drawing/2014/main" id="{DAD2AB6D-85A8-44FB-8325-CC2AEA278351}"/>
+              </a:ext>
+            </a:extLst>
+          </p:cNvPr>
+          <p:cNvSpPr/>
+          <p:nvPr/>
+        </p:nvSpPr>
+        <p:spPr>
+          <a:xfrm>
+            <a:off x="7788597" y="4608407"/>
+            <a:ext cx="822003" cy="285783"/>
+          </a:xfrm>
+          <a:prstGeom prst="rect">
+            <a:avLst/>
+          </a:prstGeom>
+          <a:ln w="19050">
+            <a:solidFill>
+              <a:srgbClr val="7030A0"/>
+            </a:solidFill>
+          </a:ln>
+          <a:effectLst/>
+        </p:spPr>
+        <p:style>
+          <a:lnRef idx="1">
+            <a:schemeClr val="accent4"/>
+          </a:lnRef>
+          <a:fillRef idx="2">
+            <a:schemeClr val="accent4"/>
+          </a:fillRef>
+          <a:effectRef idx="1">
+            <a:schemeClr val="accent4"/>
+          </a:effectRef>
+          <a:fontRef idx="minor">
+            <a:schemeClr val="dk1"/>
+          </a:fontRef>
+        </p:style>
+        <p:txBody>
+          <a:bodyPr rtlCol="0" anchor="ctr"/>
+          <a:lstStyle/>
+          <a:p>
+            <a:pPr algn="ctr"/>
+            <a:r>
+              <a:rPr lang="en-US" sz="1050" dirty="0">
+                <a:solidFill>
+                  <a:srgbClr val="7030A0"/>
+                </a:solidFill>
+              </a:rPr>
+              <a:t>Remark</a:t>
+            </a:r>
+            <a:endParaRPr lang="en-SG" sz="1050" dirty="0">
+              <a:solidFill>
+                <a:srgbClr val="7030A0"/>
+              </a:solidFill>
+            </a:endParaRPr>
+          </a:p>
+        </p:txBody>
+      </p:sp>
+      <p:cxnSp>
+        <p:nvCxnSpPr>
+          <p:cNvPr id="88" name="Elbow Connector 85">
+            <a:extLst>
+              <a:ext uri="{FF2B5EF4-FFF2-40B4-BE49-F238E27FC236}">
+                <a16:creationId xmlns:a16="http://schemas.microsoft.com/office/drawing/2014/main" id="{E8E31B87-D9DD-4C86-BA49-6FC35848757F}"/>
+              </a:ext>
+            </a:extLst>
+          </p:cNvPr>
+          <p:cNvCxnSpPr>
+            <a:cxnSpLocks/>
+            <a:stCxn id="78" idx="3"/>
+            <a:endCxn id="87" idx="1"/>
+          </p:cNvCxnSpPr>
+          <p:nvPr/>
+        </p:nvCxnSpPr>
+        <p:spPr>
+          <a:xfrm>
+            <a:off x="7277995" y="3034891"/>
+            <a:ext cx="510602" cy="1716408"/>
+          </a:xfrm>
+          <a:prstGeom prst="bentConnector3">
+            <a:avLst>
+              <a:gd name="adj1" fmla="val 50000"/>
+            </a:avLst>
+          </a:prstGeom>
+          <a:ln w="19050">
+            <a:solidFill>
+              <a:srgbClr val="7030A0"/>
+            </a:solidFill>
+            <a:headEnd type="none" w="med" len="med"/>
+            <a:tailEnd type="arrow" w="med" len="med"/>
+          </a:ln>
+          <a:effectLst/>
+        </p:spPr>
+        <p:style>
+          <a:lnRef idx="1">
+            <a:schemeClr val="accent2"/>
+          </a:lnRef>
+          <a:fillRef idx="2">
+            <a:schemeClr val="accent2"/>
+          </a:fillRef>
+          <a:effectRef idx="1">
+            <a:schemeClr val="accent2"/>
+          </a:effectRef>
+          <a:fontRef idx="minor">
+            <a:schemeClr val="dk1"/>
+          </a:fontRef>
+        </p:style>
+      </p:cxnSp>
+      <p:cxnSp>
+        <p:nvCxnSpPr>
+          <p:cNvPr id="104" name="Elbow Connector 80">
+            <a:extLst>
+              <a:ext uri="{FF2B5EF4-FFF2-40B4-BE49-F238E27FC236}">
+                <a16:creationId xmlns:a16="http://schemas.microsoft.com/office/drawing/2014/main" id="{7AA5D50C-D345-45FC-968D-6EB4345C0615}"/>
+              </a:ext>
+            </a:extLst>
+          </p:cNvPr>
+          <p:cNvCxnSpPr>
+            <a:cxnSpLocks/>
+            <a:stCxn id="78" idx="3"/>
+            <a:endCxn id="76" idx="1"/>
+          </p:cNvCxnSpPr>
+          <p:nvPr/>
+        </p:nvCxnSpPr>
+        <p:spPr>
+          <a:xfrm flipV="1">
+            <a:off x="7277995" y="2154713"/>
+            <a:ext cx="510602" cy="880178"/>
+          </a:xfrm>
+          <a:prstGeom prst="bentConnector3">
+            <a:avLst/>
+          </a:prstGeom>
+          <a:ln w="19050">
+            <a:solidFill>
+              <a:srgbClr val="7030A0"/>
+            </a:solidFill>
+            <a:headEnd type="none" w="med" len="med"/>
+            <a:tailEnd type="arrow" w="med" len="med"/>
+          </a:ln>
+          <a:effectLst/>
+        </p:spPr>
+        <p:style>
+          <a:lnRef idx="1">
+            <a:schemeClr val="accent2"/>
+          </a:lnRef>
+          <a:fillRef idx="2">
+            <a:schemeClr val="accent2"/>
+          </a:fillRef>
+          <a:effectRef idx="1">
+            <a:schemeClr val="accent2"/>
+          </a:effectRef>
+          <a:fontRef idx="minor">
+            <a:schemeClr val="dk1"/>
+          </a:fontRef>
+        </p:style>
+      </p:cxnSp>
+      <p:cxnSp>
+        <p:nvCxnSpPr>
+          <p:cNvPr id="108" name="Elbow Connector 106">
+            <a:extLst>
+              <a:ext uri="{FF2B5EF4-FFF2-40B4-BE49-F238E27FC236}">
+                <a16:creationId xmlns:a16="http://schemas.microsoft.com/office/drawing/2014/main" id="{716B5ED2-D8B6-47E9-A9A7-41406ED9F526}"/>
+              </a:ext>
+            </a:extLst>
+          </p:cNvPr>
+          <p:cNvCxnSpPr>
+            <a:cxnSpLocks/>
+          </p:cNvCxnSpPr>
+          <p:nvPr/>
+        </p:nvCxnSpPr>
+        <p:spPr>
+          <a:xfrm flipV="1">
+            <a:off x="2387984" y="3200338"/>
+            <a:ext cx="4566806" cy="1061663"/>
+          </a:xfrm>
+          <a:prstGeom prst="bentConnector3">
+            <a:avLst>
+              <a:gd name="adj1" fmla="val 100015"/>
+            </a:avLst>
+          </a:prstGeom>
+          <a:ln w="19050">
+            <a:solidFill>
+              <a:srgbClr val="7030A0"/>
+            </a:solidFill>
+            <a:prstDash val="solid"/>
+            <a:headEnd type="none" w="med" len="med"/>
+            <a:tailEnd type="arrow" w="med" len="med"/>
+          </a:ln>
+          <a:effectLst/>
+        </p:spPr>
+        <p:style>
+          <a:lnRef idx="1">
+            <a:schemeClr val="accent2"/>
+          </a:lnRef>
+          <a:fillRef idx="2">
+            <a:schemeClr val="accent2"/>
+          </a:fillRef>
+          <a:effectRef idx="1">
+            <a:schemeClr val="accent2"/>
+          </a:effectRef>
+          <a:fontRef idx="minor">
+            <a:schemeClr val="dk1"/>
+          </a:fontRef>
+        </p:style>
+      </p:cxnSp>
+      <p:sp>
+        <p:nvSpPr>
+          <p:cNvPr id="109" name="Rectangle 8">
+            <a:extLst>
+              <a:ext uri="{FF2B5EF4-FFF2-40B4-BE49-F238E27FC236}">
+                <a16:creationId xmlns:a16="http://schemas.microsoft.com/office/drawing/2014/main" id="{DC07F918-7A1D-4BEC-ACFD-65B86C268455}"/>
+              </a:ext>
+            </a:extLst>
+          </p:cNvPr>
+          <p:cNvSpPr/>
+          <p:nvPr/>
+        </p:nvSpPr>
+        <p:spPr>
+          <a:xfrm>
+            <a:off x="2831518" y="3679163"/>
+            <a:ext cx="1490560" cy="334856"/>
+          </a:xfrm>
+          <a:prstGeom prst="rect">
+            <a:avLst/>
+          </a:prstGeom>
+          <a:ln w="19050">
+            <a:solidFill>
+              <a:srgbClr val="7030A0"/>
+            </a:solidFill>
+          </a:ln>
+          <a:effectLst/>
+        </p:spPr>
+        <p:style>
+          <a:lnRef idx="1">
+            <a:schemeClr val="accent4"/>
+          </a:lnRef>
+          <a:fillRef idx="2">
+            <a:schemeClr val="accent4"/>
+          </a:fillRef>
+          <a:effectRef idx="1">
+            <a:schemeClr val="accent4"/>
+          </a:effectRef>
+          <a:fontRef idx="minor">
+            <a:schemeClr val="dk1"/>
+          </a:fontRef>
+        </p:style>
+        <p:txBody>
+          <a:bodyPr rtlCol="0" anchor="ctr"/>
+          <a:lstStyle/>
+          <a:p>
+            <a:pPr algn="ctr"/>
+            <a:r>
+              <a:rPr lang="en-US" sz="1050">
+                <a:solidFill>
+                  <a:srgbClr val="7030A0"/>
+                </a:solidFill>
+              </a:rPr>
+              <a:t>VersionedTrackedData</a:t>
+            </a:r>
+            <a:endParaRPr lang="en-SG" sz="1050" dirty="0">
+              <a:solidFill>
+                <a:srgbClr val="7030A0"/>
+              </a:solidFill>
+            </a:endParaRPr>
+          </a:p>
+        </p:txBody>
+      </p:sp>
+      <p:cxnSp>
+        <p:nvCxnSpPr>
+          <p:cNvPr id="110" name="Straight Arrow Connector 109">
+            <a:extLst>
+              <a:ext uri="{FF2B5EF4-FFF2-40B4-BE49-F238E27FC236}">
+                <a16:creationId xmlns:a16="http://schemas.microsoft.com/office/drawing/2014/main" id="{02B09D5D-6868-4364-8C3C-6354C397DB3F}"/>
+              </a:ext>
+            </a:extLst>
+          </p:cNvPr>
+          <p:cNvCxnSpPr>
+            <a:stCxn id="111" idx="3"/>
+            <a:endCxn id="109" idx="1"/>
+          </p:cNvCxnSpPr>
+          <p:nvPr/>
+        </p:nvCxnSpPr>
+        <p:spPr>
+          <a:xfrm>
+            <a:off x="2630598" y="3836034"/>
+            <a:ext cx="200920" cy="10557"/>
+          </a:xfrm>
+          <a:prstGeom prst="straightConnector1">
+            <a:avLst/>
+          </a:prstGeom>
+          <a:ln w="19050">
+            <a:solidFill>
+              <a:srgbClr val="7030A0"/>
+            </a:solidFill>
+            <a:headEnd type="none" w="med" len="med"/>
+            <a:tailEnd type="arrow" w="med" len="med"/>
+          </a:ln>
+          <a:effectLst/>
+        </p:spPr>
+        <p:style>
+          <a:lnRef idx="1">
+            <a:schemeClr val="accent2"/>
+          </a:lnRef>
+          <a:fillRef idx="2">
+            <a:schemeClr val="accent2"/>
+          </a:fillRef>
+          <a:effectRef idx="1">
+            <a:schemeClr val="accent2"/>
+          </a:effectRef>
+          <a:fontRef idx="minor">
+            <a:schemeClr val="dk1"/>
+          </a:fontRef>
+        </p:style>
+      </p:cxnSp>
+      <p:sp>
+        <p:nvSpPr>
+          <p:cNvPr id="111" name="Flowchart: Decision 96">
+            <a:extLst>
+              <a:ext uri="{FF2B5EF4-FFF2-40B4-BE49-F238E27FC236}">
+                <a16:creationId xmlns:a16="http://schemas.microsoft.com/office/drawing/2014/main" id="{29BC7F1B-771C-49E1-8060-54FD1C289144}"/>
+              </a:ext>
+            </a:extLst>
+          </p:cNvPr>
+          <p:cNvSpPr/>
+          <p:nvPr/>
+        </p:nvSpPr>
+        <p:spPr>
+          <a:xfrm>
+            <a:off x="2394550" y="3749344"/>
+            <a:ext cx="236048" cy="173380"/>
+          </a:xfrm>
+          <a:prstGeom prst="flowChartDecision">
+            <a:avLst/>
+          </a:prstGeom>
+          <a:noFill/>
+          <a:ln w="19050">
+            <a:solidFill>
+              <a:srgbClr val="7030A0"/>
+            </a:solidFill>
+          </a:ln>
+          <a:effectLst/>
+        </p:spPr>
+        <p:style>
+          <a:lnRef idx="1">
+            <a:schemeClr val="accent6"/>
+          </a:lnRef>
+          <a:fillRef idx="2">
+            <a:schemeClr val="accent6"/>
+          </a:fillRef>
+          <a:effectRef idx="1">
+            <a:schemeClr val="accent6"/>
+          </a:effectRef>
+          <a:fontRef idx="minor">
+            <a:schemeClr val="dk1"/>
+          </a:fontRef>
+        </p:style>
+        <p:txBody>
+          <a:bodyPr rtlCol="0" anchor="ctr"/>
+          <a:lstStyle/>
+          <a:p>
+            <a:pPr algn="ctr"/>
+            <a:endParaRPr lang="en-US" sz="1050"/>
+          </a:p>
+        </p:txBody>
+      </p:sp>
+      <p:sp>
+        <p:nvSpPr>
+          <p:cNvPr id="112" name="Rectangle 8">
+            <a:extLst>
+              <a:ext uri="{FF2B5EF4-FFF2-40B4-BE49-F238E27FC236}">
+                <a16:creationId xmlns:a16="http://schemas.microsoft.com/office/drawing/2014/main" id="{92584896-7C8B-47B6-AFCB-8F40467EBCCA}"/>
+              </a:ext>
+            </a:extLst>
+          </p:cNvPr>
+          <p:cNvSpPr/>
+          <p:nvPr/>
+        </p:nvSpPr>
+        <p:spPr>
+          <a:xfrm>
+            <a:off x="4698888" y="3674083"/>
+            <a:ext cx="1243502" cy="346760"/>
+          </a:xfrm>
+          <a:prstGeom prst="rect">
+            <a:avLst/>
+          </a:prstGeom>
+          <a:ln w="19050">
+            <a:solidFill>
+              <a:srgbClr val="7030A0"/>
+            </a:solidFill>
+          </a:ln>
+          <a:effectLst/>
+        </p:spPr>
+        <p:style>
+          <a:lnRef idx="1">
+            <a:schemeClr val="accent4"/>
+          </a:lnRef>
+          <a:fillRef idx="2">
+            <a:schemeClr val="accent4"/>
+          </a:fillRef>
+          <a:effectRef idx="1">
+            <a:schemeClr val="accent4"/>
+          </a:effectRef>
+          <a:fontRef idx="minor">
+            <a:schemeClr val="dk1"/>
+          </a:fontRef>
+        </p:style>
+        <p:txBody>
+          <a:bodyPr rtlCol="0" anchor="ctr"/>
+          <a:lstStyle/>
+          <a:p>
+            <a:pPr algn="ctr"/>
+            <a:r>
+              <a:rPr lang="en-US" sz="1050" dirty="0">
+                <a:solidFill>
+                  <a:srgbClr val="7030A0"/>
+                </a:solidFill>
+              </a:rPr>
+              <a:t>WorkoutList</a:t>
+            </a:r>
+            <a:endParaRPr lang="en-SG" sz="1050" dirty="0">
+              <a:solidFill>
+                <a:srgbClr val="7030A0"/>
+              </a:solidFill>
+            </a:endParaRPr>
+          </a:p>
+        </p:txBody>
+      </p:sp>
+      <p:sp>
+        <p:nvSpPr>
+          <p:cNvPr id="115" name="Flowchart: Decision 96">
+            <a:extLst>
+              <a:ext uri="{FF2B5EF4-FFF2-40B4-BE49-F238E27FC236}">
+                <a16:creationId xmlns:a16="http://schemas.microsoft.com/office/drawing/2014/main" id="{71099A3C-C588-4DEF-B956-FB76CDFD274E}"/>
+              </a:ext>
+            </a:extLst>
+          </p:cNvPr>
+          <p:cNvSpPr/>
+          <p:nvPr/>
+        </p:nvSpPr>
+        <p:spPr>
+          <a:xfrm>
+            <a:off x="5942390" y="3774677"/>
+            <a:ext cx="236048" cy="173380"/>
+          </a:xfrm>
+          <a:prstGeom prst="flowChartDecision">
+            <a:avLst/>
+          </a:prstGeom>
+          <a:noFill/>
+          <a:ln w="19050">
+            <a:solidFill>
+              <a:srgbClr val="7030A0"/>
+            </a:solidFill>
+          </a:ln>
+          <a:effectLst/>
+        </p:spPr>
+        <p:style>
+          <a:lnRef idx="1">
+            <a:schemeClr val="accent6"/>
+          </a:lnRef>
+          <a:fillRef idx="2">
+            <a:schemeClr val="accent6"/>
+          </a:fillRef>
+          <a:effectRef idx="1">
+            <a:schemeClr val="accent6"/>
+          </a:effectRef>
+          <a:fontRef idx="minor">
+            <a:schemeClr val="dk1"/>
+          </a:fontRef>
+        </p:style>
+        <p:txBody>
+          <a:bodyPr rtlCol="0" anchor="ctr"/>
+          <a:lstStyle/>
+          <a:p>
+            <a:pPr algn="ctr"/>
+            <a:endParaRPr lang="en-US" sz="1050"/>
+          </a:p>
+        </p:txBody>
+      </p:sp>
+      <p:cxnSp>
+        <p:nvCxnSpPr>
+          <p:cNvPr id="116" name="Elbow Connector 63">
+            <a:extLst>
+              <a:ext uri="{FF2B5EF4-FFF2-40B4-BE49-F238E27FC236}">
+                <a16:creationId xmlns:a16="http://schemas.microsoft.com/office/drawing/2014/main" id="{59016A6D-FB13-473D-BA07-5F90D0EB37D1}"/>
+              </a:ext>
+            </a:extLst>
+          </p:cNvPr>
+          <p:cNvCxnSpPr>
+            <a:cxnSpLocks/>
+            <a:stCxn id="115" idx="3"/>
+            <a:endCxn id="62" idx="2"/>
+          </p:cNvCxnSpPr>
+          <p:nvPr/>
+        </p:nvCxnSpPr>
+        <p:spPr>
+          <a:xfrm flipV="1">
+            <a:off x="6178438" y="3204826"/>
+            <a:ext cx="489332" cy="656541"/>
+          </a:xfrm>
+          <a:prstGeom prst="bentConnector2">
+            <a:avLst/>
+          </a:prstGeom>
+          <a:ln w="19050">
+            <a:solidFill>
+              <a:srgbClr val="7030A0"/>
+            </a:solidFill>
+            <a:headEnd type="none" w="med" len="med"/>
+            <a:tailEnd type="arrow" w="med" len="med"/>
+          </a:ln>
+          <a:effectLst/>
+        </p:spPr>
+        <p:style>
+          <a:lnRef idx="1">
+            <a:schemeClr val="accent2"/>
+          </a:lnRef>
+          <a:fillRef idx="2">
+            <a:schemeClr val="accent2"/>
+          </a:fillRef>
+          <a:effectRef idx="1">
+            <a:schemeClr val="accent2"/>
+          </a:effectRef>
+          <a:fontRef idx="minor">
+            <a:schemeClr val="dk1"/>
+          </a:fontRef>
+        </p:style>
+      </p:cxnSp>
+      <p:sp>
+        <p:nvSpPr>
+          <p:cNvPr id="117" name="TextBox 116">
+            <a:extLst>
+              <a:ext uri="{FF2B5EF4-FFF2-40B4-BE49-F238E27FC236}">
+                <a16:creationId xmlns:a16="http://schemas.microsoft.com/office/drawing/2014/main" id="{425A7C47-9125-46CA-8411-0829B87AB2F6}"/>
+              </a:ext>
+            </a:extLst>
+          </p:cNvPr>
+          <p:cNvSpPr txBox="1"/>
+          <p:nvPr/>
+        </p:nvSpPr>
+        <p:spPr>
+          <a:xfrm>
+            <a:off x="4436217" y="3944480"/>
+            <a:ext cx="189257" cy="178683"/>
+          </a:xfrm>
+          <a:prstGeom prst="rect">
+            <a:avLst/>
+          </a:prstGeom>
+          <a:noFill/>
+        </p:spPr>
+        <p:txBody>
+          <a:bodyPr wrap="square" lIns="0" tIns="0" rIns="0" bIns="0" rtlCol="0">
+            <a:noAutofit/>
+          </a:bodyPr>
+          <a:lstStyle/>
+          <a:p>
+            <a:pPr algn="ctr"/>
+            <a:r>
+              <a:rPr lang="en-US" sz="1100">
+                <a:solidFill>
+                  <a:srgbClr val="7030A0"/>
+                </a:solidFill>
+              </a:rPr>
+              <a:t>1</a:t>
+            </a:r>
+            <a:endParaRPr lang="en-SG" sz="1100" dirty="0">
+              <a:solidFill>
+                <a:srgbClr val="7030A0"/>
+              </a:solidFill>
+            </a:endParaRPr>
+          </a:p>
+        </p:txBody>
+      </p:sp>
+      <p:sp>
+        <p:nvSpPr>
+          <p:cNvPr id="121" name="TextBox 120">
+            <a:extLst>
+              <a:ext uri="{FF2B5EF4-FFF2-40B4-BE49-F238E27FC236}">
+                <a16:creationId xmlns:a16="http://schemas.microsoft.com/office/drawing/2014/main" id="{6C69BD56-7CFF-443C-B6E8-EC599392D9E7}"/>
+              </a:ext>
+            </a:extLst>
+          </p:cNvPr>
+          <p:cNvSpPr txBox="1"/>
+          <p:nvPr/>
+        </p:nvSpPr>
+        <p:spPr>
+          <a:xfrm>
+            <a:off x="6466158" y="3228067"/>
+            <a:ext cx="189257" cy="178683"/>
+          </a:xfrm>
+          <a:prstGeom prst="rect">
+            <a:avLst/>
+          </a:prstGeom>
+          <a:noFill/>
+        </p:spPr>
+        <p:txBody>
+          <a:bodyPr wrap="square" lIns="0" tIns="0" rIns="0" bIns="0" rtlCol="0">
+            <a:noAutofit/>
+          </a:bodyPr>
+          <a:lstStyle/>
+          <a:p>
+            <a:pPr algn="ctr"/>
+            <a:r>
+              <a:rPr lang="en-US" sz="1100" dirty="0">
+                <a:solidFill>
+                  <a:srgbClr val="7030A0"/>
+                </a:solidFill>
+              </a:rPr>
+              <a:t>*</a:t>
+            </a:r>
+            <a:endParaRPr lang="en-SG" sz="1100" dirty="0">
+              <a:solidFill>
+                <a:srgbClr val="7030A0"/>
+              </a:solidFill>
+            </a:endParaRPr>
+          </a:p>
+        </p:txBody>
+      </p:sp>
+      <p:sp>
+        <p:nvSpPr>
+          <p:cNvPr id="123" name="TextBox 122">
+            <a:extLst>
+              <a:ext uri="{FF2B5EF4-FFF2-40B4-BE49-F238E27FC236}">
+                <a16:creationId xmlns:a16="http://schemas.microsoft.com/office/drawing/2014/main" id="{76F28128-701B-44BC-9984-1F9AEB6FC162}"/>
+              </a:ext>
+            </a:extLst>
+          </p:cNvPr>
+          <p:cNvSpPr txBox="1"/>
+          <p:nvPr/>
+        </p:nvSpPr>
+        <p:spPr>
+          <a:xfrm>
+            <a:off x="2579632" y="3589716"/>
+            <a:ext cx="170110" cy="137542"/>
+          </a:xfrm>
+          <a:prstGeom prst="rect">
+            <a:avLst/>
+          </a:prstGeom>
+          <a:noFill/>
+        </p:spPr>
+        <p:txBody>
+          <a:bodyPr wrap="square" lIns="0" tIns="0" rIns="0" bIns="0" rtlCol="0">
+            <a:noAutofit/>
+          </a:bodyPr>
+          <a:lstStyle/>
+          <a:p>
+            <a:pPr algn="ctr"/>
+            <a:r>
+              <a:rPr lang="en-US" sz="1100">
+                <a:solidFill>
+                  <a:srgbClr val="7030A0"/>
+                </a:solidFill>
+              </a:rPr>
+              <a:t>1</a:t>
+            </a:r>
+            <a:endParaRPr lang="en-SG" sz="1100" dirty="0">
+              <a:solidFill>
+                <a:srgbClr val="7030A0"/>
+              </a:solidFill>
+            </a:endParaRPr>
+          </a:p>
+        </p:txBody>
+      </p:sp>
+      <p:sp>
+        <p:nvSpPr>
+          <p:cNvPr id="125" name="TextBox 124">
+            <a:extLst>
+              <a:ext uri="{FF2B5EF4-FFF2-40B4-BE49-F238E27FC236}">
+                <a16:creationId xmlns:a16="http://schemas.microsoft.com/office/drawing/2014/main" id="{FFE028FB-6C79-4E05-8A9C-A8897271B8D4}"/>
+              </a:ext>
+            </a:extLst>
+          </p:cNvPr>
+          <p:cNvSpPr txBox="1"/>
+          <p:nvPr/>
+        </p:nvSpPr>
+        <p:spPr>
+          <a:xfrm>
+            <a:off x="6979231" y="3194402"/>
+            <a:ext cx="189257" cy="178683"/>
+          </a:xfrm>
+          <a:prstGeom prst="rect">
+            <a:avLst/>
+          </a:prstGeom>
+          <a:noFill/>
+        </p:spPr>
+        <p:txBody>
+          <a:bodyPr wrap="square" lIns="0" tIns="0" rIns="0" bIns="0" rtlCol="0">
+            <a:noAutofit/>
+          </a:bodyPr>
+          <a:lstStyle/>
+          <a:p>
+            <a:pPr algn="ctr"/>
+            <a:r>
+              <a:rPr lang="en-US" sz="1100" dirty="0">
+                <a:solidFill>
+                  <a:srgbClr val="7030A0"/>
+                </a:solidFill>
+              </a:rPr>
+              <a:t>2</a:t>
+            </a:r>
+            <a:endParaRPr lang="en-SG" sz="1100" dirty="0">
+              <a:solidFill>
+                <a:srgbClr val="7030A0"/>
+              </a:solidFill>
+            </a:endParaRPr>
+          </a:p>
+        </p:txBody>
+      </p:sp>
+      <p:sp>
+        <p:nvSpPr>
+          <p:cNvPr id="129" name="TextBox 128">
+            <a:extLst>
+              <a:ext uri="{FF2B5EF4-FFF2-40B4-BE49-F238E27FC236}">
+                <a16:creationId xmlns:a16="http://schemas.microsoft.com/office/drawing/2014/main" id="{A6A95C3E-ABC9-40D0-8FF2-4F7474B1F9C7}"/>
+              </a:ext>
+            </a:extLst>
+          </p:cNvPr>
+          <p:cNvSpPr txBox="1"/>
+          <p:nvPr/>
+        </p:nvSpPr>
+        <p:spPr>
+          <a:xfrm>
+            <a:off x="6148572" y="4017949"/>
+            <a:ext cx="838200" cy="261610"/>
+          </a:xfrm>
+          <a:prstGeom prst="rect">
+            <a:avLst/>
+          </a:prstGeom>
+          <a:noFill/>
+        </p:spPr>
+        <p:txBody>
+          <a:bodyPr wrap="square" rtlCol="0">
+            <a:spAutoFit/>
+          </a:bodyPr>
+          <a:lstStyle/>
+          <a:p>
+            <a:pPr algn="r"/>
+            <a:r>
+              <a:rPr lang="en-US" sz="1100" dirty="0">
+                <a:solidFill>
+                  <a:srgbClr val="7030A0"/>
+                </a:solidFill>
+              </a:rPr>
+              <a:t>filtered list</a:t>
+            </a:r>
+            <a:endParaRPr lang="en-SG" sz="1100" dirty="0">
+              <a:solidFill>
+                <a:srgbClr val="7030A0"/>
+              </a:solidFill>
+            </a:endParaRPr>
+          </a:p>
+        </p:txBody>
+      </p:sp>
+      <p:sp>
+        <p:nvSpPr>
+          <p:cNvPr id="138" name="Rectangle 8">
+            <a:extLst>
+              <a:ext uri="{FF2B5EF4-FFF2-40B4-BE49-F238E27FC236}">
+                <a16:creationId xmlns:a16="http://schemas.microsoft.com/office/drawing/2014/main" id="{7A4E5215-B4BC-44CC-8E93-373C699A4E94}"/>
+              </a:ext>
+            </a:extLst>
+          </p:cNvPr>
+          <p:cNvSpPr/>
+          <p:nvPr/>
+        </p:nvSpPr>
+        <p:spPr>
+          <a:xfrm>
+            <a:off x="2829647" y="4585200"/>
+            <a:ext cx="1804409" cy="334856"/>
+          </a:xfrm>
+          <a:prstGeom prst="rect">
+            <a:avLst/>
+          </a:prstGeom>
+          <a:ln w="19050">
+            <a:solidFill>
+              <a:srgbClr val="7030A0"/>
+            </a:solidFill>
+          </a:ln>
+          <a:effectLst/>
+        </p:spPr>
+        <p:style>
+          <a:lnRef idx="1">
+            <a:schemeClr val="accent4"/>
+          </a:lnRef>
+          <a:fillRef idx="2">
+            <a:schemeClr val="accent4"/>
+          </a:fillRef>
+          <a:effectRef idx="1">
+            <a:schemeClr val="accent4"/>
+          </a:effectRef>
+          <a:fontRef idx="minor">
+            <a:schemeClr val="dk1"/>
+          </a:fontRef>
+        </p:style>
+        <p:txBody>
+          <a:bodyPr rtlCol="0" anchor="ctr"/>
+          <a:lstStyle/>
+          <a:p>
+            <a:pPr algn="ctr"/>
+            <a:r>
+              <a:rPr lang="en-US" sz="1050" dirty="0">
+                <a:solidFill>
+                  <a:srgbClr val="7030A0"/>
+                </a:solidFill>
+              </a:rPr>
+              <a:t>VersionedTrackedDataList</a:t>
+            </a:r>
+            <a:endParaRPr lang="en-SG" sz="1050" dirty="0">
+              <a:solidFill>
+                <a:srgbClr val="7030A0"/>
+              </a:solidFill>
+            </a:endParaRPr>
+          </a:p>
+        </p:txBody>
+      </p:sp>
+      <p:cxnSp>
+        <p:nvCxnSpPr>
+          <p:cNvPr id="139" name="Straight Arrow Connector 138">
+            <a:extLst>
+              <a:ext uri="{FF2B5EF4-FFF2-40B4-BE49-F238E27FC236}">
+                <a16:creationId xmlns:a16="http://schemas.microsoft.com/office/drawing/2014/main" id="{6A2D959E-095C-4419-8DF4-2CFAC45253C7}"/>
+              </a:ext>
+            </a:extLst>
+          </p:cNvPr>
+          <p:cNvCxnSpPr>
+            <a:cxnSpLocks/>
+            <a:stCxn id="140" idx="3"/>
+            <a:endCxn id="138" idx="1"/>
+          </p:cNvCxnSpPr>
+          <p:nvPr/>
+        </p:nvCxnSpPr>
+        <p:spPr>
+          <a:xfrm>
+            <a:off x="2628728" y="4742071"/>
+            <a:ext cx="200919" cy="10557"/>
+          </a:xfrm>
+          <a:prstGeom prst="straightConnector1">
+            <a:avLst/>
+          </a:prstGeom>
+          <a:ln w="19050">
+            <a:solidFill>
+              <a:srgbClr val="7030A0"/>
+            </a:solidFill>
+            <a:headEnd type="none" w="med" len="med"/>
+            <a:tailEnd type="arrow" w="med" len="med"/>
+          </a:ln>
+          <a:effectLst/>
+        </p:spPr>
+        <p:style>
+          <a:lnRef idx="1">
+            <a:schemeClr val="accent2"/>
+          </a:lnRef>
+          <a:fillRef idx="2">
+            <a:schemeClr val="accent2"/>
+          </a:fillRef>
+          <a:effectRef idx="1">
+            <a:schemeClr val="accent2"/>
+          </a:effectRef>
+          <a:fontRef idx="minor">
+            <a:schemeClr val="dk1"/>
+          </a:fontRef>
+        </p:style>
+      </p:cxnSp>
+      <p:sp>
+        <p:nvSpPr>
+          <p:cNvPr id="140" name="Flowchart: Decision 96">
+            <a:extLst>
+              <a:ext uri="{FF2B5EF4-FFF2-40B4-BE49-F238E27FC236}">
+                <a16:creationId xmlns:a16="http://schemas.microsoft.com/office/drawing/2014/main" id="{84CFAB3B-B975-47A7-9B68-09A4F83B9393}"/>
+              </a:ext>
+            </a:extLst>
+          </p:cNvPr>
+          <p:cNvSpPr/>
+          <p:nvPr/>
+        </p:nvSpPr>
+        <p:spPr>
+          <a:xfrm>
+            <a:off x="2392680" y="4655381"/>
+            <a:ext cx="236048" cy="173380"/>
+          </a:xfrm>
+          <a:prstGeom prst="flowChartDecision">
+            <a:avLst/>
+          </a:prstGeom>
+          <a:noFill/>
+          <a:ln w="19050">
+            <a:solidFill>
+              <a:srgbClr val="7030A0"/>
+            </a:solidFill>
+          </a:ln>
+          <a:effectLst/>
+        </p:spPr>
+        <p:style>
+          <a:lnRef idx="1">
+            <a:schemeClr val="accent6"/>
+          </a:lnRef>
+          <a:fillRef idx="2">
+            <a:schemeClr val="accent6"/>
+          </a:fillRef>
+          <a:effectRef idx="1">
+            <a:schemeClr val="accent6"/>
+          </a:effectRef>
+          <a:fontRef idx="minor">
+            <a:schemeClr val="dk1"/>
+          </a:fontRef>
+        </p:style>
+        <p:txBody>
+          <a:bodyPr rtlCol="0" anchor="ctr"/>
+          <a:lstStyle/>
+          <a:p>
+            <a:pPr algn="ctr"/>
+            <a:endParaRPr lang="en-US" sz="1050"/>
+          </a:p>
+        </p:txBody>
+      </p:sp>
+      <p:sp>
+        <p:nvSpPr>
+          <p:cNvPr id="141" name="Rectangle 8">
+            <a:extLst>
+              <a:ext uri="{FF2B5EF4-FFF2-40B4-BE49-F238E27FC236}">
+                <a16:creationId xmlns:a16="http://schemas.microsoft.com/office/drawing/2014/main" id="{98EF6B35-386F-48B5-86ED-ADD4A81D0E76}"/>
+              </a:ext>
+            </a:extLst>
+          </p:cNvPr>
+          <p:cNvSpPr/>
+          <p:nvPr/>
+        </p:nvSpPr>
+        <p:spPr>
+          <a:xfrm>
+            <a:off x="5018013" y="4585200"/>
+            <a:ext cx="1380611" cy="346760"/>
+          </a:xfrm>
+          <a:prstGeom prst="rect">
+            <a:avLst/>
+          </a:prstGeom>
+          <a:ln w="19050">
+            <a:solidFill>
+              <a:srgbClr val="7030A0"/>
+            </a:solidFill>
+          </a:ln>
+          <a:effectLst/>
+        </p:spPr>
+        <p:style>
+          <a:lnRef idx="1">
+            <a:schemeClr val="accent4"/>
+          </a:lnRef>
+          <a:fillRef idx="2">
+            <a:schemeClr val="accent4"/>
+          </a:fillRef>
+          <a:effectRef idx="1">
+            <a:schemeClr val="accent4"/>
+          </a:effectRef>
+          <a:fontRef idx="minor">
+            <a:schemeClr val="dk1"/>
+          </a:fontRef>
+        </p:style>
+        <p:txBody>
+          <a:bodyPr rtlCol="0" anchor="ctr"/>
+          <a:lstStyle/>
+          <a:p>
+            <a:pPr algn="ctr"/>
+            <a:r>
+              <a:rPr lang="en-GB" sz="1050" dirty="0">
+                <a:solidFill>
+                  <a:srgbClr val="7030A0"/>
+                </a:solidFill>
+              </a:rPr>
+              <a:t>U</a:t>
+            </a:r>
+            <a:r>
+              <a:rPr lang="en-US" sz="1050" dirty="0">
+                <a:solidFill>
+                  <a:srgbClr val="7030A0"/>
+                </a:solidFill>
+              </a:rPr>
+              <a:t>niqueParameterList</a:t>
+            </a:r>
+            <a:endParaRPr lang="en-SG" sz="1050" dirty="0">
+              <a:solidFill>
+                <a:srgbClr val="7030A0"/>
+              </a:solidFill>
+            </a:endParaRPr>
+          </a:p>
+        </p:txBody>
+      </p:sp>
+      <p:sp>
+        <p:nvSpPr>
+          <p:cNvPr id="142" name="Flowchart: Decision 96">
+            <a:extLst>
+              <a:ext uri="{FF2B5EF4-FFF2-40B4-BE49-F238E27FC236}">
+                <a16:creationId xmlns:a16="http://schemas.microsoft.com/office/drawing/2014/main" id="{80E21544-EE31-412E-9F32-81FD8D755855}"/>
+              </a:ext>
+            </a:extLst>
+          </p:cNvPr>
+          <p:cNvSpPr/>
+          <p:nvPr/>
+        </p:nvSpPr>
+        <p:spPr>
+          <a:xfrm>
+            <a:off x="6400646" y="4677137"/>
+            <a:ext cx="243840" cy="173380"/>
+          </a:xfrm>
+          <a:prstGeom prst="flowChartDecision">
+            <a:avLst/>
+          </a:prstGeom>
+          <a:noFill/>
+          <a:ln w="19050">
+            <a:solidFill>
+              <a:srgbClr val="7030A0"/>
+            </a:solidFill>
+          </a:ln>
+          <a:effectLst/>
+        </p:spPr>
+        <p:style>
+          <a:lnRef idx="1">
+            <a:schemeClr val="accent6"/>
+          </a:lnRef>
+          <a:fillRef idx="2">
+            <a:schemeClr val="accent6"/>
+          </a:fillRef>
+          <a:effectRef idx="1">
+            <a:schemeClr val="accent6"/>
+          </a:effectRef>
+          <a:fontRef idx="minor">
+            <a:schemeClr val="dk1"/>
+          </a:fontRef>
+        </p:style>
+        <p:txBody>
+          <a:bodyPr rtlCol="0" anchor="ctr"/>
+          <a:lstStyle/>
+          <a:p>
+            <a:pPr algn="ctr"/>
+            <a:endParaRPr lang="en-US" sz="1050"/>
+          </a:p>
+        </p:txBody>
+      </p:sp>
+      <p:cxnSp>
+        <p:nvCxnSpPr>
+          <p:cNvPr id="143" name="Elbow Connector 63">
+            <a:extLst>
+              <a:ext uri="{FF2B5EF4-FFF2-40B4-BE49-F238E27FC236}">
+                <a16:creationId xmlns:a16="http://schemas.microsoft.com/office/drawing/2014/main" id="{84395ABA-A90C-4D20-85CE-665DE045828F}"/>
+              </a:ext>
+            </a:extLst>
+          </p:cNvPr>
+          <p:cNvCxnSpPr>
+            <a:cxnSpLocks/>
+            <a:stCxn id="142" idx="3"/>
+            <a:endCxn id="149" idx="0"/>
+          </p:cNvCxnSpPr>
+          <p:nvPr/>
+        </p:nvCxnSpPr>
+        <p:spPr>
+          <a:xfrm>
+            <a:off x="6644486" y="4763827"/>
+            <a:ext cx="328727" cy="219383"/>
+          </a:xfrm>
+          <a:prstGeom prst="bentConnector2">
+            <a:avLst/>
+          </a:prstGeom>
+          <a:ln w="19050">
+            <a:solidFill>
+              <a:srgbClr val="7030A0"/>
+            </a:solidFill>
+            <a:headEnd type="none" w="med" len="med"/>
+            <a:tailEnd type="arrow" w="med" len="med"/>
+          </a:ln>
+          <a:effectLst/>
+        </p:spPr>
+        <p:style>
+          <a:lnRef idx="1">
+            <a:schemeClr val="accent2"/>
+          </a:lnRef>
+          <a:fillRef idx="2">
+            <a:schemeClr val="accent2"/>
+          </a:fillRef>
+          <a:effectRef idx="1">
+            <a:schemeClr val="accent2"/>
+          </a:effectRef>
+          <a:fontRef idx="minor">
+            <a:schemeClr val="dk1"/>
+          </a:fontRef>
+        </p:style>
+      </p:cxnSp>
+      <p:sp>
+        <p:nvSpPr>
+          <p:cNvPr id="144" name="TextBox 143">
+            <a:extLst>
+              <a:ext uri="{FF2B5EF4-FFF2-40B4-BE49-F238E27FC236}">
+                <a16:creationId xmlns:a16="http://schemas.microsoft.com/office/drawing/2014/main" id="{E1E605EF-B5EB-465F-BFD4-E1529CE78B23}"/>
+              </a:ext>
+            </a:extLst>
+          </p:cNvPr>
+          <p:cNvSpPr txBox="1"/>
+          <p:nvPr/>
+        </p:nvSpPr>
+        <p:spPr>
+          <a:xfrm>
+            <a:off x="4755343" y="4850517"/>
+            <a:ext cx="189257" cy="178683"/>
+          </a:xfrm>
+          <a:prstGeom prst="rect">
+            <a:avLst/>
+          </a:prstGeom>
+          <a:noFill/>
+        </p:spPr>
+        <p:txBody>
+          <a:bodyPr wrap="square" lIns="0" tIns="0" rIns="0" bIns="0" rtlCol="0">
+            <a:noAutofit/>
+          </a:bodyPr>
+          <a:lstStyle/>
+          <a:p>
+            <a:pPr algn="ctr"/>
+            <a:r>
+              <a:rPr lang="en-US" sz="1100" dirty="0">
+                <a:solidFill>
+                  <a:srgbClr val="7030A0"/>
+                </a:solidFill>
+              </a:rPr>
+              <a:t>1</a:t>
+            </a:r>
+            <a:endParaRPr lang="en-SG" sz="1100" dirty="0">
+              <a:solidFill>
+                <a:srgbClr val="7030A0"/>
+              </a:solidFill>
+            </a:endParaRPr>
+          </a:p>
+        </p:txBody>
+      </p:sp>
+      <p:sp>
+        <p:nvSpPr>
+          <p:cNvPr id="145" name="TextBox 144">
+            <a:extLst>
+              <a:ext uri="{FF2B5EF4-FFF2-40B4-BE49-F238E27FC236}">
+                <a16:creationId xmlns:a16="http://schemas.microsoft.com/office/drawing/2014/main" id="{89ABABB5-C646-40F8-B92A-30E3CD249103}"/>
+              </a:ext>
+            </a:extLst>
+          </p:cNvPr>
+          <p:cNvSpPr txBox="1"/>
+          <p:nvPr/>
+        </p:nvSpPr>
+        <p:spPr>
+          <a:xfrm>
+            <a:off x="2577762" y="4495753"/>
+            <a:ext cx="170110" cy="137542"/>
+          </a:xfrm>
+          <a:prstGeom prst="rect">
+            <a:avLst/>
+          </a:prstGeom>
+          <a:noFill/>
+        </p:spPr>
+        <p:txBody>
+          <a:bodyPr wrap="square" lIns="0" tIns="0" rIns="0" bIns="0" rtlCol="0">
+            <a:noAutofit/>
+          </a:bodyPr>
+          <a:lstStyle/>
+          <a:p>
+            <a:pPr algn="ctr"/>
+            <a:r>
+              <a:rPr lang="en-US" sz="1100">
+                <a:solidFill>
+                  <a:srgbClr val="7030A0"/>
+                </a:solidFill>
+              </a:rPr>
+              <a:t>1</a:t>
+            </a:r>
+            <a:endParaRPr lang="en-SG" sz="1100" dirty="0">
+              <a:solidFill>
+                <a:srgbClr val="7030A0"/>
+              </a:solidFill>
+            </a:endParaRPr>
+          </a:p>
+        </p:txBody>
+      </p:sp>
+      <p:sp>
+        <p:nvSpPr>
+          <p:cNvPr id="149" name="Rectangle 8">
+            <a:extLst>
+              <a:ext uri="{FF2B5EF4-FFF2-40B4-BE49-F238E27FC236}">
+                <a16:creationId xmlns:a16="http://schemas.microsoft.com/office/drawing/2014/main" id="{521BC98D-F43F-48AC-B091-801CB918327F}"/>
+              </a:ext>
+            </a:extLst>
+          </p:cNvPr>
+          <p:cNvSpPr/>
+          <p:nvPr/>
+        </p:nvSpPr>
+        <p:spPr>
+          <a:xfrm>
+            <a:off x="6516415" y="4983210"/>
+            <a:ext cx="913595" cy="346760"/>
+          </a:xfrm>
+          <a:prstGeom prst="rect">
+            <a:avLst/>
+          </a:prstGeom>
+          <a:ln w="19050">
+            <a:solidFill>
+              <a:srgbClr val="7030A0"/>
+            </a:solidFill>
+          </a:ln>
+          <a:effectLst/>
+        </p:spPr>
+        <p:style>
+          <a:lnRef idx="1">
+            <a:schemeClr val="accent4"/>
+          </a:lnRef>
+          <a:fillRef idx="2">
+            <a:schemeClr val="accent4"/>
+          </a:fillRef>
+          <a:effectRef idx="1">
+            <a:schemeClr val="accent4"/>
+          </a:effectRef>
+          <a:fontRef idx="minor">
+            <a:schemeClr val="dk1"/>
+          </a:fontRef>
+        </p:style>
+        <p:txBody>
+          <a:bodyPr rtlCol="0" anchor="ctr"/>
+          <a:lstStyle/>
+          <a:p>
+            <a:pPr algn="ctr"/>
+            <a:r>
+              <a:rPr lang="en-US" sz="1050" dirty="0">
+                <a:solidFill>
+                  <a:srgbClr val="7030A0"/>
+                </a:solidFill>
+              </a:rPr>
+              <a:t>Parameter</a:t>
+            </a:r>
+            <a:endParaRPr lang="en-SG" sz="1050" dirty="0">
+              <a:solidFill>
+                <a:srgbClr val="7030A0"/>
+              </a:solidFill>
+            </a:endParaRPr>
+          </a:p>
+        </p:txBody>
+      </p:sp>
+      <p:sp>
+        <p:nvSpPr>
+          <p:cNvPr id="154" name="TextBox 153">
+            <a:extLst>
+              <a:ext uri="{FF2B5EF4-FFF2-40B4-BE49-F238E27FC236}">
+                <a16:creationId xmlns:a16="http://schemas.microsoft.com/office/drawing/2014/main" id="{73348206-3921-4B85-81CA-76302B07CBC6}"/>
+              </a:ext>
+            </a:extLst>
+          </p:cNvPr>
+          <p:cNvSpPr txBox="1"/>
+          <p:nvPr/>
+        </p:nvSpPr>
+        <p:spPr>
+          <a:xfrm>
+            <a:off x="6988766" y="4793114"/>
+            <a:ext cx="189257" cy="178683"/>
+          </a:xfrm>
+          <a:prstGeom prst="rect">
+            <a:avLst/>
+          </a:prstGeom>
+          <a:noFill/>
+        </p:spPr>
+        <p:txBody>
+          <a:bodyPr wrap="square" lIns="0" tIns="0" rIns="0" bIns="0" rtlCol="0">
+            <a:noAutofit/>
+          </a:bodyPr>
+          <a:lstStyle/>
+          <a:p>
+            <a:pPr algn="ctr"/>
+            <a:r>
+              <a:rPr lang="en-US" sz="1100" dirty="0">
+                <a:solidFill>
+                  <a:srgbClr val="7030A0"/>
+                </a:solidFill>
+              </a:rPr>
+              <a:t>*</a:t>
+            </a:r>
+            <a:endParaRPr lang="en-SG" sz="1100" dirty="0">
+              <a:solidFill>
+                <a:srgbClr val="7030A0"/>
+              </a:solidFill>
+            </a:endParaRPr>
+          </a:p>
+        </p:txBody>
+      </p:sp>
+      <p:sp>
+        <p:nvSpPr>
+          <p:cNvPr id="163" name="Flowchart: Decision 96">
+            <a:extLst>
+              <a:ext uri="{FF2B5EF4-FFF2-40B4-BE49-F238E27FC236}">
+                <a16:creationId xmlns:a16="http://schemas.microsoft.com/office/drawing/2014/main" id="{75730A5E-1277-4759-8387-BE4FE6F79F9D}"/>
+              </a:ext>
+            </a:extLst>
+          </p:cNvPr>
+          <p:cNvSpPr/>
+          <p:nvPr/>
+        </p:nvSpPr>
+        <p:spPr>
+          <a:xfrm>
+            <a:off x="4328092" y="3768517"/>
+            <a:ext cx="236048" cy="173380"/>
+          </a:xfrm>
+          <a:prstGeom prst="flowChartDecision">
+            <a:avLst/>
+          </a:prstGeom>
+          <a:solidFill>
+            <a:srgbClr val="7030A0"/>
+          </a:solidFill>
+          <a:ln w="19050">
+            <a:solidFill>
+              <a:srgbClr val="7030A0"/>
+            </a:solidFill>
+          </a:ln>
+          <a:effectLst/>
+        </p:spPr>
+        <p:style>
+          <a:lnRef idx="1">
+            <a:schemeClr val="accent6"/>
+          </a:lnRef>
+          <a:fillRef idx="2">
+            <a:schemeClr val="accent6"/>
+          </a:fillRef>
+          <a:effectRef idx="1">
+            <a:schemeClr val="accent6"/>
+          </a:effectRef>
+          <a:fontRef idx="minor">
+            <a:schemeClr val="dk1"/>
+          </a:fontRef>
+        </p:style>
+        <p:txBody>
+          <a:bodyPr rtlCol="0" anchor="ctr"/>
+          <a:lstStyle/>
+          <a:p>
+            <a:pPr algn="ctr"/>
+            <a:endParaRPr lang="en-US" sz="1050"/>
+          </a:p>
+        </p:txBody>
+      </p:sp>
+      <p:cxnSp>
+        <p:nvCxnSpPr>
+          <p:cNvPr id="164" name="Straight Arrow Connector 163">
+            <a:extLst>
+              <a:ext uri="{FF2B5EF4-FFF2-40B4-BE49-F238E27FC236}">
+                <a16:creationId xmlns:a16="http://schemas.microsoft.com/office/drawing/2014/main" id="{AC6F6832-6329-47C2-B08A-BBB5E0AE2BDD}"/>
+              </a:ext>
+            </a:extLst>
+          </p:cNvPr>
+          <p:cNvCxnSpPr>
+            <a:cxnSpLocks/>
+            <a:stCxn id="163" idx="1"/>
+          </p:cNvCxnSpPr>
+          <p:nvPr/>
+        </p:nvCxnSpPr>
+        <p:spPr>
+          <a:xfrm>
+            <a:off x="4328092" y="3855207"/>
+            <a:ext cx="367678" cy="12320"/>
+          </a:xfrm>
+          <a:prstGeom prst="straightConnector1">
+            <a:avLst/>
+          </a:prstGeom>
+          <a:ln w="19050">
+            <a:solidFill>
+              <a:srgbClr val="7030A0"/>
+            </a:solidFill>
+            <a:headEnd type="none" w="med" len="med"/>
+            <a:tailEnd type="arrow" w="med" len="med"/>
+          </a:ln>
+          <a:effectLst/>
+        </p:spPr>
+        <p:style>
+          <a:lnRef idx="1">
+            <a:schemeClr val="accent2"/>
+          </a:lnRef>
+          <a:fillRef idx="2">
+            <a:schemeClr val="accent2"/>
+          </a:fillRef>
+          <a:effectRef idx="1">
+            <a:schemeClr val="accent2"/>
+          </a:effectRef>
+          <a:fontRef idx="minor">
+            <a:schemeClr val="dk1"/>
+          </a:fontRef>
+        </p:style>
+      </p:cxnSp>
+      <p:sp>
+        <p:nvSpPr>
+          <p:cNvPr id="165" name="Flowchart: Decision 96">
+            <a:extLst>
+              <a:ext uri="{FF2B5EF4-FFF2-40B4-BE49-F238E27FC236}">
+                <a16:creationId xmlns:a16="http://schemas.microsoft.com/office/drawing/2014/main" id="{42E13C82-4D92-4BA7-9350-6A42CA535001}"/>
+              </a:ext>
+            </a:extLst>
+          </p:cNvPr>
+          <p:cNvSpPr/>
+          <p:nvPr/>
+        </p:nvSpPr>
+        <p:spPr>
+          <a:xfrm>
+            <a:off x="4649610" y="4670977"/>
+            <a:ext cx="236048" cy="173380"/>
+          </a:xfrm>
+          <a:prstGeom prst="flowChartDecision">
+            <a:avLst/>
+          </a:prstGeom>
+          <a:solidFill>
+            <a:srgbClr val="7030A0"/>
+          </a:solidFill>
+          <a:ln w="19050">
+            <a:solidFill>
+              <a:srgbClr val="7030A0"/>
+            </a:solidFill>
+          </a:ln>
+          <a:effectLst/>
+        </p:spPr>
+        <p:style>
+          <a:lnRef idx="1">
+            <a:schemeClr val="accent6"/>
+          </a:lnRef>
+          <a:fillRef idx="2">
+            <a:schemeClr val="accent6"/>
+          </a:fillRef>
+          <a:effectRef idx="1">
+            <a:schemeClr val="accent6"/>
+          </a:effectRef>
+          <a:fontRef idx="minor">
+            <a:schemeClr val="dk1"/>
+          </a:fontRef>
+        </p:style>
+        <p:txBody>
+          <a:bodyPr rtlCol="0" anchor="ctr"/>
+          <a:lstStyle/>
+          <a:p>
+            <a:pPr algn="ctr"/>
+            <a:endParaRPr lang="en-US" sz="1050"/>
+          </a:p>
+        </p:txBody>
+      </p:sp>
+      <p:cxnSp>
+        <p:nvCxnSpPr>
+          <p:cNvPr id="166" name="Straight Arrow Connector 165">
+            <a:extLst>
+              <a:ext uri="{FF2B5EF4-FFF2-40B4-BE49-F238E27FC236}">
+                <a16:creationId xmlns:a16="http://schemas.microsoft.com/office/drawing/2014/main" id="{13E5D75A-8020-425B-80DC-63D1F9D519D7}"/>
+              </a:ext>
+            </a:extLst>
+          </p:cNvPr>
+          <p:cNvCxnSpPr>
+            <a:cxnSpLocks/>
+            <a:stCxn id="165" idx="1"/>
+          </p:cNvCxnSpPr>
+          <p:nvPr/>
+        </p:nvCxnSpPr>
+        <p:spPr>
+          <a:xfrm>
+            <a:off x="4649610" y="4757667"/>
+            <a:ext cx="367678" cy="12320"/>
+          </a:xfrm>
+          <a:prstGeom prst="straightConnector1">
+            <a:avLst/>
+          </a:prstGeom>
+          <a:ln w="19050">
+            <a:solidFill>
+              <a:srgbClr val="7030A0"/>
+            </a:solidFill>
+            <a:headEnd type="none" w="med" len="med"/>
+            <a:tailEnd type="arrow" w="med" len="med"/>
+          </a:ln>
+          <a:effectLst/>
+        </p:spPr>
+        <p:style>
+          <a:lnRef idx="1">
+            <a:schemeClr val="accent2"/>
+          </a:lnRef>
+          <a:fillRef idx="2">
+            <a:schemeClr val="accent2"/>
+          </a:fillRef>
+          <a:effectRef idx="1">
+            <a:schemeClr val="accent2"/>
+          </a:effectRef>
+          <a:fontRef idx="minor">
+            <a:schemeClr val="dk1"/>
+          </a:fontRef>
+        </p:style>
+      </p:cxnSp>
+      <p:sp>
+        <p:nvSpPr>
+          <p:cNvPr id="167" name="Flowchart: Decision 96">
+            <a:extLst>
+              <a:ext uri="{FF2B5EF4-FFF2-40B4-BE49-F238E27FC236}">
+                <a16:creationId xmlns:a16="http://schemas.microsoft.com/office/drawing/2014/main" id="{47C7AE77-43B6-4522-902F-80631C9166D1}"/>
+              </a:ext>
+            </a:extLst>
+          </p:cNvPr>
+          <p:cNvSpPr/>
+          <p:nvPr/>
+        </p:nvSpPr>
+        <p:spPr>
+          <a:xfrm>
+            <a:off x="6855188" y="5340719"/>
+            <a:ext cx="236048" cy="229379"/>
+          </a:xfrm>
+          <a:prstGeom prst="flowChartDecision">
+            <a:avLst/>
+          </a:prstGeom>
+          <a:solidFill>
+            <a:srgbClr val="7030A0"/>
+          </a:solidFill>
+          <a:ln w="19050">
+            <a:solidFill>
+              <a:srgbClr val="7030A0"/>
+            </a:solidFill>
+          </a:ln>
+          <a:effectLst/>
+        </p:spPr>
+        <p:style>
+          <a:lnRef idx="1">
+            <a:schemeClr val="accent6"/>
+          </a:lnRef>
+          <a:fillRef idx="2">
+            <a:schemeClr val="accent6"/>
+          </a:fillRef>
+          <a:effectRef idx="1">
+            <a:schemeClr val="accent6"/>
+          </a:effectRef>
+          <a:fontRef idx="minor">
+            <a:schemeClr val="dk1"/>
+          </a:fontRef>
+        </p:style>
+        <p:txBody>
+          <a:bodyPr rtlCol="0" anchor="ctr"/>
+          <a:lstStyle/>
+          <a:p>
+            <a:pPr algn="ctr"/>
+            <a:endParaRPr lang="en-US" sz="1050"/>
+          </a:p>
+        </p:txBody>
+      </p:sp>
+      <p:cxnSp>
+        <p:nvCxnSpPr>
+          <p:cNvPr id="168" name="Elbow Connector 83">
+            <a:extLst>
+              <a:ext uri="{FF2B5EF4-FFF2-40B4-BE49-F238E27FC236}">
+                <a16:creationId xmlns:a16="http://schemas.microsoft.com/office/drawing/2014/main" id="{AEBF267B-00E1-483D-8439-878967490035}"/>
+              </a:ext>
+            </a:extLst>
+          </p:cNvPr>
+          <p:cNvCxnSpPr>
+            <a:cxnSpLocks/>
+            <a:stCxn id="167" idx="2"/>
+            <a:endCxn id="171" idx="1"/>
+          </p:cNvCxnSpPr>
+          <p:nvPr/>
+        </p:nvCxnSpPr>
+        <p:spPr>
+          <a:xfrm rot="16200000" flipH="1">
+            <a:off x="7302322" y="5240987"/>
+            <a:ext cx="157165" cy="815385"/>
+          </a:xfrm>
+          <a:prstGeom prst="bentConnector2">
+            <a:avLst/>
+          </a:prstGeom>
+          <a:ln w="19050">
+            <a:solidFill>
+              <a:srgbClr val="7030A0"/>
+            </a:solidFill>
+            <a:headEnd type="none" w="med" len="med"/>
+            <a:tailEnd type="arrow" w="med" len="med"/>
+          </a:ln>
+          <a:effectLst/>
+        </p:spPr>
+        <p:style>
+          <a:lnRef idx="1">
+            <a:schemeClr val="accent2"/>
+          </a:lnRef>
+          <a:fillRef idx="2">
+            <a:schemeClr val="accent2"/>
+          </a:fillRef>
+          <a:effectRef idx="1">
+            <a:schemeClr val="accent2"/>
+          </a:effectRef>
+          <a:fontRef idx="minor">
+            <a:schemeClr val="dk1"/>
+          </a:fontRef>
+        </p:style>
+      </p:cxnSp>
+      <p:sp>
+        <p:nvSpPr>
+          <p:cNvPr id="171" name="Rectangle 8">
+            <a:extLst>
+              <a:ext uri="{FF2B5EF4-FFF2-40B4-BE49-F238E27FC236}">
+                <a16:creationId xmlns:a16="http://schemas.microsoft.com/office/drawing/2014/main" id="{C9CA4FCF-FAD0-4735-BFDF-6333058FECF4}"/>
+              </a:ext>
+            </a:extLst>
+          </p:cNvPr>
+          <p:cNvSpPr/>
+          <p:nvPr/>
+        </p:nvSpPr>
+        <p:spPr>
+          <a:xfrm>
+            <a:off x="7788597" y="5584371"/>
+            <a:ext cx="822003" cy="285783"/>
+          </a:xfrm>
+          <a:prstGeom prst="rect">
+            <a:avLst/>
+          </a:prstGeom>
+          <a:ln w="19050">
+            <a:solidFill>
+              <a:srgbClr val="7030A0"/>
+            </a:solidFill>
+          </a:ln>
+          <a:effectLst/>
+        </p:spPr>
+        <p:style>
+          <a:lnRef idx="1">
+            <a:schemeClr val="accent4"/>
+          </a:lnRef>
+          <a:fillRef idx="2">
+            <a:schemeClr val="accent4"/>
+          </a:fillRef>
+          <a:effectRef idx="1">
+            <a:schemeClr val="accent4"/>
+          </a:effectRef>
+          <a:fontRef idx="minor">
+            <a:schemeClr val="dk1"/>
+          </a:fontRef>
+        </p:style>
+        <p:txBody>
+          <a:bodyPr rtlCol="0" anchor="ctr"/>
+          <a:lstStyle/>
+          <a:p>
+            <a:pPr algn="ctr"/>
+            <a:r>
+              <a:rPr lang="en-US" sz="1050" dirty="0">
+                <a:solidFill>
+                  <a:srgbClr val="7030A0"/>
+                </a:solidFill>
+              </a:rPr>
+              <a:t>Prefix</a:t>
+            </a:r>
+            <a:endParaRPr lang="en-SG" sz="1050" dirty="0">
+              <a:solidFill>
+                <a:srgbClr val="7030A0"/>
+              </a:solidFill>
+            </a:endParaRPr>
+          </a:p>
+        </p:txBody>
+      </p:sp>
     </p:spTree>
     <p:extLst>
       <p:ext uri="{BB962C8B-B14F-4D97-AF65-F5344CB8AC3E}">
